--- a/2_DatabaseDesign_CookingPortal.pptx
+++ b/2_DatabaseDesign_CookingPortal.pptx
@@ -16,7 +16,9 @@
     <p:sldId id="259" r:id="rId10"/>
     <p:sldId id="315" r:id="rId11"/>
     <p:sldId id="343" r:id="rId12"/>
-    <p:sldId id="337" r:id="rId13"/>
+    <p:sldId id="344" r:id="rId13"/>
+    <p:sldId id="337" r:id="rId14"/>
+    <p:sldId id="345" r:id="rId15"/>
   </p:sldIdLst>
   <p:sldSz cx="12192000" cy="6858000"/>
   <p:notesSz cx="6858000" cy="9144000"/>
@@ -244,7 +246,7 @@
           <p:cNvPr id="2" name="그림 개체 틀 2">
             <a:extLst>
               <a:ext uri="{FF2B5EF4-FFF2-40B4-BE49-F238E27FC236}">
-                <a16:creationId xmlns:a16="http://schemas.microsoft.com/office/drawing/2014/main" xmlns="" id="{6B69EC6E-2DBC-4CA7-860F-ECFAA8EF01F7}"/>
+                <a16:creationId xmlns="" xmlns:a16="http://schemas.microsoft.com/office/drawing/2014/main" id="{6B69EC6E-2DBC-4CA7-860F-ECFAA8EF01F7}"/>
               </a:ext>
             </a:extLst>
           </p:cNvPr>
@@ -372,7 +374,7 @@
           <p:cNvPr id="2" name="그림 개체 틀 2">
             <a:extLst>
               <a:ext uri="{FF2B5EF4-FFF2-40B4-BE49-F238E27FC236}">
-                <a16:creationId xmlns:a16="http://schemas.microsoft.com/office/drawing/2014/main" xmlns="" id="{CEF41FC5-18C8-46B4-9DAF-A0B5333EA27A}"/>
+                <a16:creationId xmlns="" xmlns:a16="http://schemas.microsoft.com/office/drawing/2014/main" id="{CEF41FC5-18C8-46B4-9DAF-A0B5333EA27A}"/>
               </a:ext>
             </a:extLst>
           </p:cNvPr>
@@ -426,7 +428,7 @@
           <p:cNvPr id="3" name="Rectangle 2">
             <a:extLst>
               <a:ext uri="{FF2B5EF4-FFF2-40B4-BE49-F238E27FC236}">
-                <a16:creationId xmlns:a16="http://schemas.microsoft.com/office/drawing/2014/main" xmlns="" id="{DE073C10-8640-4F3C-B2E4-C837BE5509C5}"/>
+                <a16:creationId xmlns="" xmlns:a16="http://schemas.microsoft.com/office/drawing/2014/main" id="{DE073C10-8640-4F3C-B2E4-C837BE5509C5}"/>
               </a:ext>
             </a:extLst>
           </p:cNvPr>
@@ -519,7 +521,7 @@
           <p:cNvPr id="2" name="Picture Placeholder 6">
             <a:extLst>
               <a:ext uri="{FF2B5EF4-FFF2-40B4-BE49-F238E27FC236}">
-                <a16:creationId xmlns:a16="http://schemas.microsoft.com/office/drawing/2014/main" xmlns="" id="{006D4B37-3DBA-4BD8-912F-A843033ADF9F}"/>
+                <a16:creationId xmlns="" xmlns:a16="http://schemas.microsoft.com/office/drawing/2014/main" id="{006D4B37-3DBA-4BD8-912F-A843033ADF9F}"/>
               </a:ext>
             </a:extLst>
           </p:cNvPr>
@@ -659,7 +661,7 @@
           <p:cNvPr id="3" name="Picture Placeholder 7">
             <a:extLst>
               <a:ext uri="{FF2B5EF4-FFF2-40B4-BE49-F238E27FC236}">
-                <a16:creationId xmlns:a16="http://schemas.microsoft.com/office/drawing/2014/main" xmlns="" id="{6DCBC7DC-32B7-4775-8C88-50655FC58FB5}"/>
+                <a16:creationId xmlns="" xmlns:a16="http://schemas.microsoft.com/office/drawing/2014/main" id="{6DCBC7DC-32B7-4775-8C88-50655FC58FB5}"/>
               </a:ext>
             </a:extLst>
           </p:cNvPr>
@@ -802,7 +804,7 @@
           <p:cNvPr id="4" name="Picture Placeholder 8">
             <a:extLst>
               <a:ext uri="{FF2B5EF4-FFF2-40B4-BE49-F238E27FC236}">
-                <a16:creationId xmlns:a16="http://schemas.microsoft.com/office/drawing/2014/main" xmlns="" id="{C594825B-001C-4F46-9DFF-BD6B030D0E0F}"/>
+                <a16:creationId xmlns="" xmlns:a16="http://schemas.microsoft.com/office/drawing/2014/main" id="{C594825B-001C-4F46-9DFF-BD6B030D0E0F}"/>
               </a:ext>
             </a:extLst>
           </p:cNvPr>
@@ -972,7 +974,7 @@
           <p:cNvPr id="2" name="Rectangle 1">
             <a:extLst>
               <a:ext uri="{FF2B5EF4-FFF2-40B4-BE49-F238E27FC236}">
-                <a16:creationId xmlns:a16="http://schemas.microsoft.com/office/drawing/2014/main" xmlns="" id="{71709633-A92F-4ED9-99D1-042A99AAC6A5}"/>
+                <a16:creationId xmlns="" xmlns:a16="http://schemas.microsoft.com/office/drawing/2014/main" id="{71709633-A92F-4ED9-99D1-042A99AAC6A5}"/>
               </a:ext>
             </a:extLst>
           </p:cNvPr>
@@ -1024,7 +1026,7 @@
           <p:cNvPr id="5" name="Picture Placeholder 4">
             <a:extLst>
               <a:ext uri="{FF2B5EF4-FFF2-40B4-BE49-F238E27FC236}">
-                <a16:creationId xmlns:a16="http://schemas.microsoft.com/office/drawing/2014/main" xmlns="" id="{A40CBBFA-C5B7-4809-BA42-28256F92DD9B}"/>
+                <a16:creationId xmlns="" xmlns:a16="http://schemas.microsoft.com/office/drawing/2014/main" id="{A40CBBFA-C5B7-4809-BA42-28256F92DD9B}"/>
               </a:ext>
             </a:extLst>
           </p:cNvPr>
@@ -1641,7 +1643,7 @@
           <p:cNvPr id="2" name="Group 1">
             <a:extLst>
               <a:ext uri="{FF2B5EF4-FFF2-40B4-BE49-F238E27FC236}">
-                <a16:creationId xmlns:a16="http://schemas.microsoft.com/office/drawing/2014/main" xmlns="" id="{7DFFED1C-7347-44FB-B415-96ADEBB15B5A}"/>
+                <a16:creationId xmlns="" xmlns:a16="http://schemas.microsoft.com/office/drawing/2014/main" id="{7DFFED1C-7347-44FB-B415-96ADEBB15B5A}"/>
               </a:ext>
             </a:extLst>
           </p:cNvPr>
@@ -1661,7 +1663,7 @@
             <p:cNvPr id="3" name="Rectangle 2">
               <a:extLst>
                 <a:ext uri="{FF2B5EF4-FFF2-40B4-BE49-F238E27FC236}">
-                  <a16:creationId xmlns:a16="http://schemas.microsoft.com/office/drawing/2014/main" xmlns="" id="{C0B78BFC-95A5-416C-AE31-98A37ED27526}"/>
+                  <a16:creationId xmlns="" xmlns:a16="http://schemas.microsoft.com/office/drawing/2014/main" id="{C0B78BFC-95A5-416C-AE31-98A37ED27526}"/>
                 </a:ext>
               </a:extLst>
             </p:cNvPr>
@@ -1713,7 +1715,7 @@
             <p:cNvPr id="4" name="Rectangle 3">
               <a:extLst>
                 <a:ext uri="{FF2B5EF4-FFF2-40B4-BE49-F238E27FC236}">
-                  <a16:creationId xmlns:a16="http://schemas.microsoft.com/office/drawing/2014/main" xmlns="" id="{1225F02D-D8DA-4283-B0B2-0CB36F3B38BE}"/>
+                  <a16:creationId xmlns="" xmlns:a16="http://schemas.microsoft.com/office/drawing/2014/main" id="{1225F02D-D8DA-4283-B0B2-0CB36F3B38BE}"/>
                 </a:ext>
               </a:extLst>
             </p:cNvPr>
@@ -1766,7 +1768,7 @@
           <p:cNvPr id="5" name="Text Placeholder 9">
             <a:extLst>
               <a:ext uri="{FF2B5EF4-FFF2-40B4-BE49-F238E27FC236}">
-                <a16:creationId xmlns:a16="http://schemas.microsoft.com/office/drawing/2014/main" xmlns="" id="{77809EEB-5FBD-405D-9DAF-33CFDC0B33E5}"/>
+                <a16:creationId xmlns="" xmlns:a16="http://schemas.microsoft.com/office/drawing/2014/main" id="{77809EEB-5FBD-405D-9DAF-33CFDC0B33E5}"/>
               </a:ext>
             </a:extLst>
           </p:cNvPr>
@@ -1817,7 +1819,7 @@
           <p:cNvPr id="6" name="Group 5">
             <a:extLst>
               <a:ext uri="{FF2B5EF4-FFF2-40B4-BE49-F238E27FC236}">
-                <a16:creationId xmlns:a16="http://schemas.microsoft.com/office/drawing/2014/main" xmlns="" id="{45A844D3-5676-40C9-8B70-99FCB08E080B}"/>
+                <a16:creationId xmlns="" xmlns:a16="http://schemas.microsoft.com/office/drawing/2014/main" id="{45A844D3-5676-40C9-8B70-99FCB08E080B}"/>
               </a:ext>
             </a:extLst>
           </p:cNvPr>
@@ -1837,7 +1839,7 @@
             <p:cNvPr id="7" name="Group 3">
               <a:extLst>
                 <a:ext uri="{FF2B5EF4-FFF2-40B4-BE49-F238E27FC236}">
-                  <a16:creationId xmlns:a16="http://schemas.microsoft.com/office/drawing/2014/main" xmlns="" id="{FE5FA093-4730-40D3-9808-FCB8F2754301}"/>
+                  <a16:creationId xmlns="" xmlns:a16="http://schemas.microsoft.com/office/drawing/2014/main" id="{FE5FA093-4730-40D3-9808-FCB8F2754301}"/>
                 </a:ext>
               </a:extLst>
             </p:cNvPr>
@@ -1857,7 +1859,7 @@
               <p:cNvPr id="9" name="Rounded Rectangle 4">
                 <a:extLst>
                   <a:ext uri="{FF2B5EF4-FFF2-40B4-BE49-F238E27FC236}">
-                    <a16:creationId xmlns:a16="http://schemas.microsoft.com/office/drawing/2014/main" xmlns="" id="{3F26B978-F2BA-4435-BD7D-8BA75383445C}"/>
+                    <a16:creationId xmlns="" xmlns:a16="http://schemas.microsoft.com/office/drawing/2014/main" id="{3F26B978-F2BA-4435-BD7D-8BA75383445C}"/>
                   </a:ext>
                 </a:extLst>
               </p:cNvPr>
@@ -1920,7 +1922,7 @@
               <p:cNvPr id="10" name="Rectangle 5">
                 <a:extLst>
                   <a:ext uri="{FF2B5EF4-FFF2-40B4-BE49-F238E27FC236}">
-                    <a16:creationId xmlns:a16="http://schemas.microsoft.com/office/drawing/2014/main" xmlns="" id="{A9EE186C-4FA2-483F-9560-BC0FB4295DB0}"/>
+                    <a16:creationId xmlns="" xmlns:a16="http://schemas.microsoft.com/office/drawing/2014/main" id="{A9EE186C-4FA2-483F-9560-BC0FB4295DB0}"/>
                   </a:ext>
                 </a:extLst>
               </p:cNvPr>
@@ -1972,7 +1974,7 @@
               <p:cNvPr id="11" name="Group 6">
                 <a:extLst>
                   <a:ext uri="{FF2B5EF4-FFF2-40B4-BE49-F238E27FC236}">
-                    <a16:creationId xmlns:a16="http://schemas.microsoft.com/office/drawing/2014/main" xmlns="" id="{AAB42CB8-FB70-4384-9995-4093F4013C6D}"/>
+                    <a16:creationId xmlns="" xmlns:a16="http://schemas.microsoft.com/office/drawing/2014/main" id="{AAB42CB8-FB70-4384-9995-4093F4013C6D}"/>
                   </a:ext>
                 </a:extLst>
               </p:cNvPr>
@@ -1992,7 +1994,7 @@
                 <p:cNvPr id="12" name="Oval 7">
                   <a:extLst>
                     <a:ext uri="{FF2B5EF4-FFF2-40B4-BE49-F238E27FC236}">
-                      <a16:creationId xmlns:a16="http://schemas.microsoft.com/office/drawing/2014/main" xmlns="" id="{744D317D-5CFC-48E4-9BF4-98C3EF35219A}"/>
+                      <a16:creationId xmlns="" xmlns:a16="http://schemas.microsoft.com/office/drawing/2014/main" id="{744D317D-5CFC-48E4-9BF4-98C3EF35219A}"/>
                     </a:ext>
                   </a:extLst>
                 </p:cNvPr>
@@ -2079,7 +2081,7 @@
                 <p:cNvPr id="13" name="Rounded Rectangle 8">
                   <a:extLst>
                     <a:ext uri="{FF2B5EF4-FFF2-40B4-BE49-F238E27FC236}">
-                      <a16:creationId xmlns:a16="http://schemas.microsoft.com/office/drawing/2014/main" xmlns="" id="{2D06F3B8-61E2-4783-87B7-3B516CEFD8FC}"/>
+                      <a16:creationId xmlns="" xmlns:a16="http://schemas.microsoft.com/office/drawing/2014/main" id="{2D06F3B8-61E2-4783-87B7-3B516CEFD8FC}"/>
                     </a:ext>
                   </a:extLst>
                 </p:cNvPr>
@@ -2135,7 +2137,7 @@
             <p:cNvPr id="8" name="Picture Placeholder 2">
               <a:extLst>
                 <a:ext uri="{FF2B5EF4-FFF2-40B4-BE49-F238E27FC236}">
-                  <a16:creationId xmlns:a16="http://schemas.microsoft.com/office/drawing/2014/main" xmlns="" id="{96F46C5E-6300-4590-BCDF-772B5093F309}"/>
+                  <a16:creationId xmlns="" xmlns:a16="http://schemas.microsoft.com/office/drawing/2014/main" id="{96F46C5E-6300-4590-BCDF-772B5093F309}"/>
                 </a:ext>
               </a:extLst>
             </p:cNvPr>
@@ -2342,7 +2344,7 @@
           <p:cNvPr id="14" name="그림 개체 틀 2">
             <a:extLst>
               <a:ext uri="{FF2B5EF4-FFF2-40B4-BE49-F238E27FC236}">
-                <a16:creationId xmlns:a16="http://schemas.microsoft.com/office/drawing/2014/main" xmlns="" id="{C047C560-DD35-4A91-83AA-295EE299363D}"/>
+                <a16:creationId xmlns="" xmlns:a16="http://schemas.microsoft.com/office/drawing/2014/main" id="{C047C560-DD35-4A91-83AA-295EE299363D}"/>
               </a:ext>
             </a:extLst>
           </p:cNvPr>
@@ -2852,7 +2854,7 @@
           <p:cNvPr id="58" name="TextBox 57">
             <a:extLst>
               <a:ext uri="{FF2B5EF4-FFF2-40B4-BE49-F238E27FC236}">
-                <a16:creationId xmlns:a16="http://schemas.microsoft.com/office/drawing/2014/main" xmlns="" id="{5644E8BB-F13A-4AE0-889E-633DE4143787}"/>
+                <a16:creationId xmlns="" xmlns:a16="http://schemas.microsoft.com/office/drawing/2014/main" id="{5644E8BB-F13A-4AE0-889E-633DE4143787}"/>
               </a:ext>
             </a:extLst>
           </p:cNvPr>
@@ -2900,7 +2902,7 @@
           <p:cNvPr id="59" name="TextBox 58">
             <a:extLst>
               <a:ext uri="{FF2B5EF4-FFF2-40B4-BE49-F238E27FC236}">
-                <a16:creationId xmlns:a16="http://schemas.microsoft.com/office/drawing/2014/main" xmlns="" id="{F2CE2B8B-ED32-491A-95B2-D28904BC432C}"/>
+                <a16:creationId xmlns="" xmlns:a16="http://schemas.microsoft.com/office/drawing/2014/main" id="{F2CE2B8B-ED32-491A-95B2-D28904BC432C}"/>
               </a:ext>
             </a:extLst>
           </p:cNvPr>
@@ -2960,7 +2962,7 @@
           <p:cNvPr id="60" name="TextBox 59">
             <a:extLst>
               <a:ext uri="{FF2B5EF4-FFF2-40B4-BE49-F238E27FC236}">
-                <a16:creationId xmlns:a16="http://schemas.microsoft.com/office/drawing/2014/main" xmlns="" id="{962A52DF-2523-4479-BFA3-B5ACE9887E1C}"/>
+                <a16:creationId xmlns="" xmlns:a16="http://schemas.microsoft.com/office/drawing/2014/main" id="{962A52DF-2523-4479-BFA3-B5ACE9887E1C}"/>
               </a:ext>
             </a:extLst>
           </p:cNvPr>
@@ -3008,7 +3010,7 @@
           <p:cNvPr id="61" name="TextBox 60">
             <a:extLst>
               <a:ext uri="{FF2B5EF4-FFF2-40B4-BE49-F238E27FC236}">
-                <a16:creationId xmlns:a16="http://schemas.microsoft.com/office/drawing/2014/main" xmlns="" id="{BAAC314F-E96A-4408-95DE-A70E9ED054AF}"/>
+                <a16:creationId xmlns="" xmlns:a16="http://schemas.microsoft.com/office/drawing/2014/main" id="{BAAC314F-E96A-4408-95DE-A70E9ED054AF}"/>
               </a:ext>
             </a:extLst>
           </p:cNvPr>
@@ -3137,7 +3139,7 @@
           <p:cNvPr id="2" name="Text Placeholder 9">
             <a:extLst>
               <a:ext uri="{FF2B5EF4-FFF2-40B4-BE49-F238E27FC236}">
-                <a16:creationId xmlns:a16="http://schemas.microsoft.com/office/drawing/2014/main" xmlns="" id="{23DE32A5-6181-4C51-AD5C-3F1A448478A1}"/>
+                <a16:creationId xmlns="" xmlns:a16="http://schemas.microsoft.com/office/drawing/2014/main" id="{23DE32A5-6181-4C51-AD5C-3F1A448478A1}"/>
               </a:ext>
             </a:extLst>
           </p:cNvPr>
@@ -3292,7 +3294,7 @@
           <p:cNvPr id="3" name="Text Placeholder 9">
             <a:extLst>
               <a:ext uri="{FF2B5EF4-FFF2-40B4-BE49-F238E27FC236}">
-                <a16:creationId xmlns:a16="http://schemas.microsoft.com/office/drawing/2014/main" xmlns="" id="{EF70765A-4598-4D75-8EBE-B820808F6559}"/>
+                <a16:creationId xmlns="" xmlns:a16="http://schemas.microsoft.com/office/drawing/2014/main" id="{EF70765A-4598-4D75-8EBE-B820808F6559}"/>
               </a:ext>
             </a:extLst>
           </p:cNvPr>
@@ -3343,7 +3345,7 @@
           <p:cNvPr id="4" name="Rectangle 3">
             <a:extLst>
               <a:ext uri="{FF2B5EF4-FFF2-40B4-BE49-F238E27FC236}">
-                <a16:creationId xmlns:a16="http://schemas.microsoft.com/office/drawing/2014/main" xmlns="" id="{F381E83D-1615-4CCC-B7E2-465DE0061B9F}"/>
+                <a16:creationId xmlns="" xmlns:a16="http://schemas.microsoft.com/office/drawing/2014/main" id="{F381E83D-1615-4CCC-B7E2-465DE0061B9F}"/>
               </a:ext>
             </a:extLst>
           </p:cNvPr>
@@ -3395,7 +3397,7 @@
           <p:cNvPr id="5" name="그림 개체 틀 2">
             <a:extLst>
               <a:ext uri="{FF2B5EF4-FFF2-40B4-BE49-F238E27FC236}">
-                <a16:creationId xmlns:a16="http://schemas.microsoft.com/office/drawing/2014/main" xmlns="" id="{3CD33C19-9966-4061-9C06-8562E26E5C9D}"/>
+                <a16:creationId xmlns="" xmlns:a16="http://schemas.microsoft.com/office/drawing/2014/main" id="{3CD33C19-9966-4061-9C06-8562E26E5C9D}"/>
               </a:ext>
             </a:extLst>
           </p:cNvPr>
@@ -3479,7 +3481,7 @@
           <p:cNvPr id="5" name="Rectangle: Top Corners Rounded 4">
             <a:extLst>
               <a:ext uri="{FF2B5EF4-FFF2-40B4-BE49-F238E27FC236}">
-                <a16:creationId xmlns:a16="http://schemas.microsoft.com/office/drawing/2014/main" xmlns="" id="{193C3917-5565-466A-887F-9A51D013E131}"/>
+                <a16:creationId xmlns="" xmlns:a16="http://schemas.microsoft.com/office/drawing/2014/main" id="{193C3917-5565-466A-887F-9A51D013E131}"/>
               </a:ext>
             </a:extLst>
           </p:cNvPr>
@@ -3536,7 +3538,7 @@
           <p:cNvPr id="6" name="Rectangle: Top Corners Rounded 5">
             <a:extLst>
               <a:ext uri="{FF2B5EF4-FFF2-40B4-BE49-F238E27FC236}">
-                <a16:creationId xmlns:a16="http://schemas.microsoft.com/office/drawing/2014/main" xmlns="" id="{AA5DBC2F-2573-4478-81A6-229D479F1BA5}"/>
+                <a16:creationId xmlns="" xmlns:a16="http://schemas.microsoft.com/office/drawing/2014/main" id="{AA5DBC2F-2573-4478-81A6-229D479F1BA5}"/>
               </a:ext>
             </a:extLst>
           </p:cNvPr>
@@ -3591,7 +3593,7 @@
           <p:cNvPr id="3" name="Rectangle: Top Corners Rounded 2">
             <a:extLst>
               <a:ext uri="{FF2B5EF4-FFF2-40B4-BE49-F238E27FC236}">
-                <a16:creationId xmlns:a16="http://schemas.microsoft.com/office/drawing/2014/main" xmlns="" id="{BEEA2D1A-FA3E-4C74-A09D-E1A106AB24E6}"/>
+                <a16:creationId xmlns="" xmlns:a16="http://schemas.microsoft.com/office/drawing/2014/main" id="{BEEA2D1A-FA3E-4C74-A09D-E1A106AB24E6}"/>
               </a:ext>
             </a:extLst>
           </p:cNvPr>
@@ -3646,7 +3648,7 @@
           <p:cNvPr id="4" name="그림 개체 틀 2">
             <a:extLst>
               <a:ext uri="{FF2B5EF4-FFF2-40B4-BE49-F238E27FC236}">
-                <a16:creationId xmlns:a16="http://schemas.microsoft.com/office/drawing/2014/main" xmlns="" id="{E5F47ABD-950C-435F-867F-66F849BD95CE}"/>
+                <a16:creationId xmlns="" xmlns:a16="http://schemas.microsoft.com/office/drawing/2014/main" id="{E5F47ABD-950C-435F-867F-66F849BD95CE}"/>
               </a:ext>
             </a:extLst>
           </p:cNvPr>
@@ -3774,7 +3776,7 @@
           <p:cNvPr id="2" name="Picture Placeholder 7">
             <a:extLst>
               <a:ext uri="{FF2B5EF4-FFF2-40B4-BE49-F238E27FC236}">
-                <a16:creationId xmlns:a16="http://schemas.microsoft.com/office/drawing/2014/main" xmlns="" id="{BAF8F5C0-FE3B-4322-834B-ADAF91515451}"/>
+                <a16:creationId xmlns="" xmlns:a16="http://schemas.microsoft.com/office/drawing/2014/main" id="{BAF8F5C0-FE3B-4322-834B-ADAF91515451}"/>
               </a:ext>
             </a:extLst>
           </p:cNvPr>
@@ -3917,7 +3919,7 @@
           <p:cNvPr id="4" name="Picture Placeholder 7">
             <a:extLst>
               <a:ext uri="{FF2B5EF4-FFF2-40B4-BE49-F238E27FC236}">
-                <a16:creationId xmlns:a16="http://schemas.microsoft.com/office/drawing/2014/main" xmlns="" id="{16B664DE-605A-4D0E-B2C7-0612FB124184}"/>
+                <a16:creationId xmlns="" xmlns:a16="http://schemas.microsoft.com/office/drawing/2014/main" id="{16B664DE-605A-4D0E-B2C7-0612FB124184}"/>
               </a:ext>
             </a:extLst>
           </p:cNvPr>
@@ -4057,7 +4059,7 @@
           <p:cNvPr id="3" name="Picture Placeholder 7">
             <a:extLst>
               <a:ext uri="{FF2B5EF4-FFF2-40B4-BE49-F238E27FC236}">
-                <a16:creationId xmlns:a16="http://schemas.microsoft.com/office/drawing/2014/main" xmlns="" id="{02A65B3A-02FE-4279-B8F1-0E86FB60BA42}"/>
+                <a16:creationId xmlns="" xmlns:a16="http://schemas.microsoft.com/office/drawing/2014/main" id="{02A65B3A-02FE-4279-B8F1-0E86FB60BA42}"/>
               </a:ext>
             </a:extLst>
           </p:cNvPr>
@@ -4197,7 +4199,7 @@
           <p:cNvPr id="5" name="Picture Placeholder 7">
             <a:extLst>
               <a:ext uri="{FF2B5EF4-FFF2-40B4-BE49-F238E27FC236}">
-                <a16:creationId xmlns:a16="http://schemas.microsoft.com/office/drawing/2014/main" xmlns="" id="{C8044A80-8C78-4E5F-9DD6-8F16BD1AC648}"/>
+                <a16:creationId xmlns="" xmlns:a16="http://schemas.microsoft.com/office/drawing/2014/main" id="{C8044A80-8C78-4E5F-9DD6-8F16BD1AC648}"/>
               </a:ext>
             </a:extLst>
           </p:cNvPr>
@@ -5334,7 +5336,7 @@
           <p:cNvPr id="8" name="TextBox 7">
             <a:extLst>
               <a:ext uri="{FF2B5EF4-FFF2-40B4-BE49-F238E27FC236}">
-                <a16:creationId xmlns:a16="http://schemas.microsoft.com/office/drawing/2014/main" xmlns="" id="{03B4C724-0776-4328-8F0A-B72DA1579537}"/>
+                <a16:creationId xmlns="" xmlns:a16="http://schemas.microsoft.com/office/drawing/2014/main" id="{03B4C724-0776-4328-8F0A-B72DA1579537}"/>
               </a:ext>
             </a:extLst>
           </p:cNvPr>
@@ -5388,7 +5390,7 @@
           <p:cNvPr id="9" name="TextBox 8">
             <a:extLst>
               <a:ext uri="{FF2B5EF4-FFF2-40B4-BE49-F238E27FC236}">
-                <a16:creationId xmlns:a16="http://schemas.microsoft.com/office/drawing/2014/main" xmlns="" id="{2B6167FF-AD5E-41E4-8385-3024DC936CF2}"/>
+                <a16:creationId xmlns="" xmlns:a16="http://schemas.microsoft.com/office/drawing/2014/main" id="{2B6167FF-AD5E-41E4-8385-3024DC936CF2}"/>
               </a:ext>
             </a:extLst>
           </p:cNvPr>
@@ -5491,12 +5493,273 @@
           <a:chExt cx="0" cy="0"/>
         </a:xfrm>
       </p:grpSpPr>
+      <p:pic>
+        <p:nvPicPr>
+          <p:cNvPr id="2" name="Picture 1"/>
+          <p:cNvPicPr>
+            <a:picLocks noChangeAspect="1"/>
+          </p:cNvPicPr>
+          <p:nvPr/>
+        </p:nvPicPr>
+        <p:blipFill>
+          <a:blip r:embed="rId2" cstate="print">
+            <a:extLst>
+              <a:ext uri="{28A0092B-C50C-407E-A947-70E740481C1C}">
+                <a14:useLocalDpi xmlns:a14="http://schemas.microsoft.com/office/drawing/2010/main" val="0"/>
+              </a:ext>
+            </a:extLst>
+          </a:blip>
+          <a:stretch>
+            <a:fillRect/>
+          </a:stretch>
+        </p:blipFill>
+        <p:spPr>
+          <a:xfrm>
+            <a:off x="948583" y="1311136"/>
+            <a:ext cx="10058400" cy="4735325"/>
+          </a:xfrm>
+          <a:prstGeom prst="rect">
+            <a:avLst/>
+          </a:prstGeom>
+        </p:spPr>
+      </p:pic>
+      <p:sp>
+        <p:nvSpPr>
+          <p:cNvPr id="3" name="Text Placeholder 1">
+            <a:extLst>
+              <a:ext uri="{FF2B5EF4-FFF2-40B4-BE49-F238E27FC236}">
+                <a16:creationId xmlns="" xmlns:a16="http://schemas.microsoft.com/office/drawing/2014/main" id="{D735F7F3-C1B5-4B60-A00A-4EB618DDFB5A}"/>
+              </a:ext>
+            </a:extLst>
+          </p:cNvPr>
+          <p:cNvSpPr txBox="1">
+            <a:spLocks/>
+          </p:cNvSpPr>
+          <p:nvPr/>
+        </p:nvSpPr>
+        <p:spPr>
+          <a:xfrm>
+            <a:off x="0" y="0"/>
+            <a:ext cx="2794475" cy="2824376"/>
+          </a:xfrm>
+          <a:prstGeom prst="rect">
+            <a:avLst/>
+          </a:prstGeom>
+        </p:spPr>
+        <p:txBody>
+          <a:bodyPr/>
+          <a:lstStyle>
+            <a:lvl1pPr marL="228600" indent="-228600" algn="l" defTabSz="914400" rtl="0" eaLnBrk="1" latinLnBrk="0" hangingPunct="1">
+              <a:lnSpc>
+                <a:spcPct val="90000"/>
+              </a:lnSpc>
+              <a:spcBef>
+                <a:spcPts val="1000"/>
+              </a:spcBef>
+              <a:buFont typeface="Arial" panose="020B0604020202020204" pitchFamily="34" charset="0"/>
+              <a:buChar char="•"/>
+              <a:defRPr sz="2800" kern="1200">
+                <a:solidFill>
+                  <a:schemeClr val="tx1"/>
+                </a:solidFill>
+                <a:latin typeface="+mn-lt"/>
+                <a:ea typeface="+mn-ea"/>
+                <a:cs typeface="+mn-cs"/>
+              </a:defRPr>
+            </a:lvl1pPr>
+            <a:lvl2pPr marL="685800" indent="-228600" algn="l" defTabSz="914400" rtl="0" eaLnBrk="1" latinLnBrk="0" hangingPunct="1">
+              <a:lnSpc>
+                <a:spcPct val="90000"/>
+              </a:lnSpc>
+              <a:spcBef>
+                <a:spcPts val="500"/>
+              </a:spcBef>
+              <a:buFont typeface="Arial" panose="020B0604020202020204" pitchFamily="34" charset="0"/>
+              <a:buChar char="•"/>
+              <a:defRPr sz="2400" kern="1200">
+                <a:solidFill>
+                  <a:schemeClr val="tx1"/>
+                </a:solidFill>
+                <a:latin typeface="+mn-lt"/>
+                <a:ea typeface="+mn-ea"/>
+                <a:cs typeface="+mn-cs"/>
+              </a:defRPr>
+            </a:lvl2pPr>
+            <a:lvl3pPr marL="1143000" indent="-228600" algn="l" defTabSz="914400" rtl="0" eaLnBrk="1" latinLnBrk="0" hangingPunct="1">
+              <a:lnSpc>
+                <a:spcPct val="90000"/>
+              </a:lnSpc>
+              <a:spcBef>
+                <a:spcPts val="500"/>
+              </a:spcBef>
+              <a:buFont typeface="Arial" panose="020B0604020202020204" pitchFamily="34" charset="0"/>
+              <a:buChar char="•"/>
+              <a:defRPr sz="2000" kern="1200">
+                <a:solidFill>
+                  <a:schemeClr val="tx1"/>
+                </a:solidFill>
+                <a:latin typeface="+mn-lt"/>
+                <a:ea typeface="+mn-ea"/>
+                <a:cs typeface="+mn-cs"/>
+              </a:defRPr>
+            </a:lvl3pPr>
+            <a:lvl4pPr marL="1600200" indent="-228600" algn="l" defTabSz="914400" rtl="0" eaLnBrk="1" latinLnBrk="0" hangingPunct="1">
+              <a:lnSpc>
+                <a:spcPct val="90000"/>
+              </a:lnSpc>
+              <a:spcBef>
+                <a:spcPts val="500"/>
+              </a:spcBef>
+              <a:buFont typeface="Arial" panose="020B0604020202020204" pitchFamily="34" charset="0"/>
+              <a:buChar char="•"/>
+              <a:defRPr sz="1800" kern="1200">
+                <a:solidFill>
+                  <a:schemeClr val="tx1"/>
+                </a:solidFill>
+                <a:latin typeface="+mn-lt"/>
+                <a:ea typeface="+mn-ea"/>
+                <a:cs typeface="+mn-cs"/>
+              </a:defRPr>
+            </a:lvl4pPr>
+            <a:lvl5pPr marL="2057400" indent="-228600" algn="l" defTabSz="914400" rtl="0" eaLnBrk="1" latinLnBrk="0" hangingPunct="1">
+              <a:lnSpc>
+                <a:spcPct val="90000"/>
+              </a:lnSpc>
+              <a:spcBef>
+                <a:spcPts val="500"/>
+              </a:spcBef>
+              <a:buFont typeface="Arial" panose="020B0604020202020204" pitchFamily="34" charset="0"/>
+              <a:buChar char="•"/>
+              <a:defRPr sz="1800" kern="1200">
+                <a:solidFill>
+                  <a:schemeClr val="tx1"/>
+                </a:solidFill>
+                <a:latin typeface="+mn-lt"/>
+                <a:ea typeface="+mn-ea"/>
+                <a:cs typeface="+mn-cs"/>
+              </a:defRPr>
+            </a:lvl5pPr>
+            <a:lvl6pPr marL="2514600" indent="-228600" algn="l" defTabSz="914400" rtl="0" eaLnBrk="1" latinLnBrk="0" hangingPunct="1">
+              <a:lnSpc>
+                <a:spcPct val="90000"/>
+              </a:lnSpc>
+              <a:spcBef>
+                <a:spcPts val="500"/>
+              </a:spcBef>
+              <a:buFont typeface="Arial" panose="020B0604020202020204" pitchFamily="34" charset="0"/>
+              <a:buChar char="•"/>
+              <a:defRPr sz="1800" kern="1200">
+                <a:solidFill>
+                  <a:schemeClr val="tx1"/>
+                </a:solidFill>
+                <a:latin typeface="+mn-lt"/>
+                <a:ea typeface="+mn-ea"/>
+                <a:cs typeface="+mn-cs"/>
+              </a:defRPr>
+            </a:lvl6pPr>
+            <a:lvl7pPr marL="2971800" indent="-228600" algn="l" defTabSz="914400" rtl="0" eaLnBrk="1" latinLnBrk="0" hangingPunct="1">
+              <a:lnSpc>
+                <a:spcPct val="90000"/>
+              </a:lnSpc>
+              <a:spcBef>
+                <a:spcPts val="500"/>
+              </a:spcBef>
+              <a:buFont typeface="Arial" panose="020B0604020202020204" pitchFamily="34" charset="0"/>
+              <a:buChar char="•"/>
+              <a:defRPr sz="1800" kern="1200">
+                <a:solidFill>
+                  <a:schemeClr val="tx1"/>
+                </a:solidFill>
+                <a:latin typeface="+mn-lt"/>
+                <a:ea typeface="+mn-ea"/>
+                <a:cs typeface="+mn-cs"/>
+              </a:defRPr>
+            </a:lvl7pPr>
+            <a:lvl8pPr marL="3429000" indent="-228600" algn="l" defTabSz="914400" rtl="0" eaLnBrk="1" latinLnBrk="0" hangingPunct="1">
+              <a:lnSpc>
+                <a:spcPct val="90000"/>
+              </a:lnSpc>
+              <a:spcBef>
+                <a:spcPts val="500"/>
+              </a:spcBef>
+              <a:buFont typeface="Arial" panose="020B0604020202020204" pitchFamily="34" charset="0"/>
+              <a:buChar char="•"/>
+              <a:defRPr sz="1800" kern="1200">
+                <a:solidFill>
+                  <a:schemeClr val="tx1"/>
+                </a:solidFill>
+                <a:latin typeface="+mn-lt"/>
+                <a:ea typeface="+mn-ea"/>
+                <a:cs typeface="+mn-cs"/>
+              </a:defRPr>
+            </a:lvl8pPr>
+            <a:lvl9pPr marL="3886200" indent="-228600" algn="l" defTabSz="914400" rtl="0" eaLnBrk="1" latinLnBrk="0" hangingPunct="1">
+              <a:lnSpc>
+                <a:spcPct val="90000"/>
+              </a:lnSpc>
+              <a:spcBef>
+                <a:spcPts val="500"/>
+              </a:spcBef>
+              <a:buFont typeface="Arial" panose="020B0604020202020204" pitchFamily="34" charset="0"/>
+              <a:buChar char="•"/>
+              <a:defRPr sz="1800" kern="1200">
+                <a:solidFill>
+                  <a:schemeClr val="tx1"/>
+                </a:solidFill>
+                <a:latin typeface="+mn-lt"/>
+                <a:ea typeface="+mn-ea"/>
+                <a:cs typeface="+mn-cs"/>
+              </a:defRPr>
+            </a:lvl9pPr>
+          </a:lstStyle>
+          <a:p>
+            <a:pPr marL="0" indent="0">
+              <a:buNone/>
+            </a:pPr>
+            <a:r>
+              <a:rPr lang="en-US" sz="3200" smtClean="0"/>
+              <a:t>Entites-Relationship Diagram</a:t>
+            </a:r>
+            <a:endParaRPr lang="en-US" sz="3200" dirty="0"/>
+          </a:p>
+        </p:txBody>
+      </p:sp>
+    </p:spTree>
+    <p:extLst>
+      <p:ext uri="{BB962C8B-B14F-4D97-AF65-F5344CB8AC3E}">
+        <p14:creationId xmlns:p14="http://schemas.microsoft.com/office/powerpoint/2010/main" val="1130992018"/>
+      </p:ext>
+    </p:extLst>
+  </p:cSld>
+  <p:clrMapOvr>
+    <a:masterClrMapping/>
+  </p:clrMapOvr>
+</p:sld>
+</file>
+
+<file path=ppt/slides/slide11.xml><?xml version="1.0" encoding="utf-8"?>
+<p:sld xmlns:a="http://schemas.openxmlformats.org/drawingml/2006/main" xmlns:r="http://schemas.openxmlformats.org/officeDocument/2006/relationships" xmlns:p="http://schemas.openxmlformats.org/presentationml/2006/main">
+  <p:cSld>
+    <p:spTree>
+      <p:nvGrpSpPr>
+        <p:cNvPr id="1" name=""/>
+        <p:cNvGrpSpPr/>
+        <p:nvPr/>
+      </p:nvGrpSpPr>
+      <p:grpSpPr>
+        <a:xfrm>
+          <a:off x="0" y="0"/>
+          <a:ext cx="0" cy="0"/>
+          <a:chOff x="0" y="0"/>
+          <a:chExt cx="0" cy="0"/>
+        </a:xfrm>
+      </p:grpSpPr>
       <p:sp>
         <p:nvSpPr>
           <p:cNvPr id="30" name="TextBox 29">
             <a:extLst>
               <a:ext uri="{FF2B5EF4-FFF2-40B4-BE49-F238E27FC236}">
-                <a16:creationId xmlns:a16="http://schemas.microsoft.com/office/drawing/2014/main" xmlns="" id="{81156BFA-EF6D-4AAA-813F-228F181518C5}"/>
+                <a16:creationId xmlns="" xmlns:a16="http://schemas.microsoft.com/office/drawing/2014/main" id="{81156BFA-EF6D-4AAA-813F-228F181518C5}"/>
               </a:ext>
             </a:extLst>
           </p:cNvPr>
@@ -5537,7 +5800,7 @@
           <p:cNvPr id="37" name="Rectangle 30">
             <a:extLst>
               <a:ext uri="{FF2B5EF4-FFF2-40B4-BE49-F238E27FC236}">
-                <a16:creationId xmlns:a16="http://schemas.microsoft.com/office/drawing/2014/main" xmlns="" id="{4F10294F-1840-47BF-A0BB-F46D95E8C964}"/>
+                <a16:creationId xmlns="" xmlns:a16="http://schemas.microsoft.com/office/drawing/2014/main" id="{4F10294F-1840-47BF-A0BB-F46D95E8C964}"/>
               </a:ext>
             </a:extLst>
           </p:cNvPr>
@@ -6146,7 +6409,7 @@
           <p:cNvPr id="46" name="Text Placeholder 1">
             <a:extLst>
               <a:ext uri="{FF2B5EF4-FFF2-40B4-BE49-F238E27FC236}">
-                <a16:creationId xmlns:a16="http://schemas.microsoft.com/office/drawing/2014/main" xmlns="" id="{D735F7F3-C1B5-4B60-A00A-4EB618DDFB5A}"/>
+                <a16:creationId xmlns="" xmlns:a16="http://schemas.microsoft.com/office/drawing/2014/main" id="{D735F7F3-C1B5-4B60-A00A-4EB618DDFB5A}"/>
               </a:ext>
             </a:extLst>
           </p:cNvPr>
@@ -6159,8 +6422,8 @@
         </p:nvSpPr>
         <p:spPr>
           <a:xfrm>
-            <a:off x="67155" y="2704753"/>
-            <a:ext cx="2334213" cy="724247"/>
+            <a:off x="67155" y="1944197"/>
+            <a:ext cx="2439587" cy="2824376"/>
           </a:xfrm>
         </p:spPr>
         <p:txBody>
@@ -6168,10 +6431,10 @@
           <a:lstStyle/>
           <a:p>
             <a:r>
-              <a:rPr lang="en-US" smtClean="0"/>
-              <a:t>Entites</a:t>
+              <a:rPr lang="en-US" sz="3200" smtClean="0"/>
+              <a:t>Entites-Relationship Diagram</a:t>
             </a:r>
-            <a:endParaRPr lang="en-US" dirty="0"/>
+            <a:endParaRPr lang="en-US" sz="3200" dirty="0"/>
           </a:p>
         </p:txBody>
       </p:sp>
@@ -6179,6 +6442,90 @@
     <p:extLst>
       <p:ext uri="{BB962C8B-B14F-4D97-AF65-F5344CB8AC3E}">
         <p14:creationId xmlns:p14="http://schemas.microsoft.com/office/powerpoint/2010/main" val="3428028254"/>
+      </p:ext>
+    </p:extLst>
+  </p:cSld>
+  <p:clrMapOvr>
+    <a:masterClrMapping/>
+  </p:clrMapOvr>
+</p:sld>
+</file>
+
+<file path=ppt/slides/slide12.xml><?xml version="1.0" encoding="utf-8"?>
+<p:sld xmlns:a="http://schemas.openxmlformats.org/drawingml/2006/main" xmlns:r="http://schemas.openxmlformats.org/officeDocument/2006/relationships" xmlns:p="http://schemas.openxmlformats.org/presentationml/2006/main">
+  <p:cSld>
+    <p:spTree>
+      <p:nvGrpSpPr>
+        <p:cNvPr id="1" name=""/>
+        <p:cNvGrpSpPr/>
+        <p:nvPr/>
+      </p:nvGrpSpPr>
+      <p:grpSpPr>
+        <a:xfrm>
+          <a:off x="0" y="0"/>
+          <a:ext cx="0" cy="0"/>
+          <a:chOff x="0" y="0"/>
+          <a:chExt cx="0" cy="0"/>
+        </a:xfrm>
+      </p:grpSpPr>
+      <p:pic>
+        <p:nvPicPr>
+          <p:cNvPr id="2" name="Picture 1"/>
+          <p:cNvPicPr>
+            <a:picLocks noChangeAspect="1"/>
+          </p:cNvPicPr>
+          <p:nvPr/>
+        </p:nvPicPr>
+        <p:blipFill>
+          <a:blip r:embed="rId2"/>
+          <a:stretch>
+            <a:fillRect/>
+          </a:stretch>
+        </p:blipFill>
+        <p:spPr>
+          <a:xfrm>
+            <a:off x="2018867" y="1705718"/>
+            <a:ext cx="7487695" cy="4010585"/>
+          </a:xfrm>
+          <a:prstGeom prst="rect">
+            <a:avLst/>
+          </a:prstGeom>
+        </p:spPr>
+      </p:pic>
+      <p:sp>
+        <p:nvSpPr>
+          <p:cNvPr id="3" name="TextBox 2"/>
+          <p:cNvSpPr txBox="1"/>
+          <p:nvPr/>
+        </p:nvSpPr>
+        <p:spPr>
+          <a:xfrm>
+            <a:off x="4871103" y="871672"/>
+            <a:ext cx="3794333" cy="369332"/>
+          </a:xfrm>
+          <a:prstGeom prst="rect">
+            <a:avLst/>
+          </a:prstGeom>
+          <a:noFill/>
+        </p:spPr>
+        <p:txBody>
+          <a:bodyPr wrap="square" rtlCol="0">
+            <a:spAutoFit/>
+          </a:bodyPr>
+          <a:lstStyle/>
+          <a:p>
+            <a:r>
+              <a:rPr lang="en-US" smtClean="0"/>
+              <a:t>Member Job</a:t>
+            </a:r>
+            <a:endParaRPr lang="en-US"/>
+          </a:p>
+        </p:txBody>
+      </p:sp>
+    </p:spTree>
+    <p:extLst>
+      <p:ext uri="{BB962C8B-B14F-4D97-AF65-F5344CB8AC3E}">
+        <p14:creationId xmlns:p14="http://schemas.microsoft.com/office/powerpoint/2010/main" val="243226637"/>
       </p:ext>
     </p:extLst>
   </p:cSld>
@@ -6210,7 +6557,7 @@
           <p:cNvPr id="6" name="Text Placeholder 10">
             <a:extLst>
               <a:ext uri="{FF2B5EF4-FFF2-40B4-BE49-F238E27FC236}">
-                <a16:creationId xmlns:a16="http://schemas.microsoft.com/office/drawing/2014/main" xmlns="" id="{93B7B3BC-77F8-44D2-92A6-7CF127E3DF1D}"/>
+                <a16:creationId xmlns="" xmlns:a16="http://schemas.microsoft.com/office/drawing/2014/main" id="{93B7B3BC-77F8-44D2-92A6-7CF127E3DF1D}"/>
               </a:ext>
             </a:extLst>
           </p:cNvPr>
@@ -6404,7 +6751,7 @@
           <p:cNvPr id="5" name="Group 4">
             <a:extLst>
               <a:ext uri="{FF2B5EF4-FFF2-40B4-BE49-F238E27FC236}">
-                <a16:creationId xmlns:a16="http://schemas.microsoft.com/office/drawing/2014/main" xmlns="" id="{3687EAEB-5941-4CE2-920B-18C0094984B0}"/>
+                <a16:creationId xmlns="" xmlns:a16="http://schemas.microsoft.com/office/drawing/2014/main" id="{3687EAEB-5941-4CE2-920B-18C0094984B0}"/>
               </a:ext>
             </a:extLst>
           </p:cNvPr>
@@ -6424,7 +6771,7 @@
             <p:cNvPr id="7" name="TextBox 6">
               <a:extLst>
                 <a:ext uri="{FF2B5EF4-FFF2-40B4-BE49-F238E27FC236}">
-                  <a16:creationId xmlns:a16="http://schemas.microsoft.com/office/drawing/2014/main" xmlns="" id="{891BD5FC-5E40-4189-BE51-7D87F56E0459}"/>
+                  <a16:creationId xmlns="" xmlns:a16="http://schemas.microsoft.com/office/drawing/2014/main" id="{891BD5FC-5E40-4189-BE51-7D87F56E0459}"/>
                 </a:ext>
               </a:extLst>
             </p:cNvPr>
@@ -6465,7 +6812,7 @@
             <p:cNvPr id="8" name="TextBox 7">
               <a:extLst>
                 <a:ext uri="{FF2B5EF4-FFF2-40B4-BE49-F238E27FC236}">
-                  <a16:creationId xmlns:a16="http://schemas.microsoft.com/office/drawing/2014/main" xmlns="" id="{E41798DA-9590-404D-AA2C-F38AD5881EF9}"/>
+                  <a16:creationId xmlns="" xmlns:a16="http://schemas.microsoft.com/office/drawing/2014/main" id="{E41798DA-9590-404D-AA2C-F38AD5881EF9}"/>
                 </a:ext>
               </a:extLst>
             </p:cNvPr>
@@ -6517,7 +6864,7 @@
           <p:cNvPr id="10" name="Group 9">
             <a:extLst>
               <a:ext uri="{FF2B5EF4-FFF2-40B4-BE49-F238E27FC236}">
-                <a16:creationId xmlns:a16="http://schemas.microsoft.com/office/drawing/2014/main" xmlns="" id="{19B12BF2-9245-4E96-B99B-F58C70C70ADA}"/>
+                <a16:creationId xmlns="" xmlns:a16="http://schemas.microsoft.com/office/drawing/2014/main" id="{19B12BF2-9245-4E96-B99B-F58C70C70ADA}"/>
               </a:ext>
             </a:extLst>
           </p:cNvPr>
@@ -6542,7 +6889,7 @@
             <p:cNvPr id="11" name="Freeform: Shape 10">
               <a:extLst>
                 <a:ext uri="{FF2B5EF4-FFF2-40B4-BE49-F238E27FC236}">
-                  <a16:creationId xmlns:a16="http://schemas.microsoft.com/office/drawing/2014/main" xmlns="" id="{8745F600-EFD4-4D7E-AF84-5453D8D8B860}"/>
+                  <a16:creationId xmlns="" xmlns:a16="http://schemas.microsoft.com/office/drawing/2014/main" id="{8745F600-EFD4-4D7E-AF84-5453D8D8B860}"/>
                 </a:ext>
               </a:extLst>
             </p:cNvPr>
@@ -14399,7 +14746,7 @@
             <p:cNvPr id="12" name="Freeform: Shape 11">
               <a:extLst>
                 <a:ext uri="{FF2B5EF4-FFF2-40B4-BE49-F238E27FC236}">
-                  <a16:creationId xmlns:a16="http://schemas.microsoft.com/office/drawing/2014/main" xmlns="" id="{23582627-1F53-4801-8AB3-82FD36C5702A}"/>
+                  <a16:creationId xmlns="" xmlns:a16="http://schemas.microsoft.com/office/drawing/2014/main" id="{23582627-1F53-4801-8AB3-82FD36C5702A}"/>
                 </a:ext>
               </a:extLst>
             </p:cNvPr>
@@ -25175,7 +25522,7 @@
             <p:cNvPr id="13" name="Group 12">
               <a:extLst>
                 <a:ext uri="{FF2B5EF4-FFF2-40B4-BE49-F238E27FC236}">
-                  <a16:creationId xmlns:a16="http://schemas.microsoft.com/office/drawing/2014/main" xmlns="" id="{4B6A3F76-F773-41F5-B283-51F817C5C98C}"/>
+                  <a16:creationId xmlns="" xmlns:a16="http://schemas.microsoft.com/office/drawing/2014/main" id="{4B6A3F76-F773-41F5-B283-51F817C5C98C}"/>
                 </a:ext>
               </a:extLst>
             </p:cNvPr>
@@ -25196,7 +25543,7 @@
               <p:cNvPr id="23" name="Freeform: Shape 22">
                 <a:extLst>
                   <a:ext uri="{FF2B5EF4-FFF2-40B4-BE49-F238E27FC236}">
-                    <a16:creationId xmlns:a16="http://schemas.microsoft.com/office/drawing/2014/main" xmlns="" id="{B6353C9A-5AFB-4989-BCAA-3D409B08B8F0}"/>
+                    <a16:creationId xmlns="" xmlns:a16="http://schemas.microsoft.com/office/drawing/2014/main" id="{B6353C9A-5AFB-4989-BCAA-3D409B08B8F0}"/>
                   </a:ext>
                 </a:extLst>
               </p:cNvPr>
@@ -25950,7 +26297,7 @@
               <p:cNvPr id="24" name="Freeform: Shape 23">
                 <a:extLst>
                   <a:ext uri="{FF2B5EF4-FFF2-40B4-BE49-F238E27FC236}">
-                    <a16:creationId xmlns:a16="http://schemas.microsoft.com/office/drawing/2014/main" xmlns="" id="{AC621D51-4986-49ED-9683-AB6F4FA19A29}"/>
+                    <a16:creationId xmlns="" xmlns:a16="http://schemas.microsoft.com/office/drawing/2014/main" id="{AC621D51-4986-49ED-9683-AB6F4FA19A29}"/>
                   </a:ext>
                 </a:extLst>
               </p:cNvPr>
@@ -26424,7 +26771,7 @@
               <p:cNvPr id="25" name="Freeform: Shape 24">
                 <a:extLst>
                   <a:ext uri="{FF2B5EF4-FFF2-40B4-BE49-F238E27FC236}">
-                    <a16:creationId xmlns:a16="http://schemas.microsoft.com/office/drawing/2014/main" xmlns="" id="{05AC51FA-AAD5-421F-B2C5-12DF511D66FF}"/>
+                    <a16:creationId xmlns="" xmlns:a16="http://schemas.microsoft.com/office/drawing/2014/main" id="{05AC51FA-AAD5-421F-B2C5-12DF511D66FF}"/>
                   </a:ext>
                 </a:extLst>
               </p:cNvPr>
@@ -26618,7 +26965,7 @@
               <p:cNvPr id="26" name="Freeform: Shape 25">
                 <a:extLst>
                   <a:ext uri="{FF2B5EF4-FFF2-40B4-BE49-F238E27FC236}">
-                    <a16:creationId xmlns:a16="http://schemas.microsoft.com/office/drawing/2014/main" xmlns="" id="{074B50E0-E92F-4819-971C-04500226FC0B}"/>
+                    <a16:creationId xmlns="" xmlns:a16="http://schemas.microsoft.com/office/drawing/2014/main" id="{074B50E0-E92F-4819-971C-04500226FC0B}"/>
                   </a:ext>
                 </a:extLst>
               </p:cNvPr>
@@ -26782,7 +27129,7 @@
               <p:cNvPr id="27" name="Freeform: Shape 26">
                 <a:extLst>
                   <a:ext uri="{FF2B5EF4-FFF2-40B4-BE49-F238E27FC236}">
-                    <a16:creationId xmlns:a16="http://schemas.microsoft.com/office/drawing/2014/main" xmlns="" id="{8072A7A9-28D6-4FB3-9D7C-E64D5731AC18}"/>
+                    <a16:creationId xmlns="" xmlns:a16="http://schemas.microsoft.com/office/drawing/2014/main" id="{8072A7A9-28D6-4FB3-9D7C-E64D5731AC18}"/>
                   </a:ext>
                 </a:extLst>
               </p:cNvPr>
@@ -26936,7 +27283,7 @@
               <p:cNvPr id="28" name="Freeform: Shape 27">
                 <a:extLst>
                   <a:ext uri="{FF2B5EF4-FFF2-40B4-BE49-F238E27FC236}">
-                    <a16:creationId xmlns:a16="http://schemas.microsoft.com/office/drawing/2014/main" xmlns="" id="{45CFC720-550E-4008-A56B-688386CF1E89}"/>
+                    <a16:creationId xmlns="" xmlns:a16="http://schemas.microsoft.com/office/drawing/2014/main" id="{45CFC720-550E-4008-A56B-688386CF1E89}"/>
                   </a:ext>
                 </a:extLst>
               </p:cNvPr>
@@ -27050,7 +27397,7 @@
               <p:cNvPr id="29" name="Freeform: Shape 28">
                 <a:extLst>
                   <a:ext uri="{FF2B5EF4-FFF2-40B4-BE49-F238E27FC236}">
-                    <a16:creationId xmlns:a16="http://schemas.microsoft.com/office/drawing/2014/main" xmlns="" id="{A68ADB3B-7C3D-47B5-AFCF-C3D7B753240E}"/>
+                    <a16:creationId xmlns="" xmlns:a16="http://schemas.microsoft.com/office/drawing/2014/main" id="{A68ADB3B-7C3D-47B5-AFCF-C3D7B753240E}"/>
                   </a:ext>
                 </a:extLst>
               </p:cNvPr>
@@ -27124,7 +27471,7 @@
               <p:cNvPr id="30" name="Freeform: Shape 29">
                 <a:extLst>
                   <a:ext uri="{FF2B5EF4-FFF2-40B4-BE49-F238E27FC236}">
-                    <a16:creationId xmlns:a16="http://schemas.microsoft.com/office/drawing/2014/main" xmlns="" id="{86833D83-3C8E-4866-A511-A34CD0912126}"/>
+                    <a16:creationId xmlns="" xmlns:a16="http://schemas.microsoft.com/office/drawing/2014/main" id="{86833D83-3C8E-4866-A511-A34CD0912126}"/>
                   </a:ext>
                 </a:extLst>
               </p:cNvPr>
@@ -27194,7 +27541,7 @@
               <p:cNvPr id="31" name="Freeform: Shape 30">
                 <a:extLst>
                   <a:ext uri="{FF2B5EF4-FFF2-40B4-BE49-F238E27FC236}">
-                    <a16:creationId xmlns:a16="http://schemas.microsoft.com/office/drawing/2014/main" xmlns="" id="{8A3D4DC0-F509-449E-A946-CF125662BF07}"/>
+                    <a16:creationId xmlns="" xmlns:a16="http://schemas.microsoft.com/office/drawing/2014/main" id="{8A3D4DC0-F509-449E-A946-CF125662BF07}"/>
                   </a:ext>
                 </a:extLst>
               </p:cNvPr>
@@ -27289,7 +27636,7 @@
             <p:cNvPr id="14" name="Group 13">
               <a:extLst>
                 <a:ext uri="{FF2B5EF4-FFF2-40B4-BE49-F238E27FC236}">
-                  <a16:creationId xmlns:a16="http://schemas.microsoft.com/office/drawing/2014/main" xmlns="" id="{81FE401D-8DC1-4E6F-BCBA-6074B43B2064}"/>
+                  <a16:creationId xmlns="" xmlns:a16="http://schemas.microsoft.com/office/drawing/2014/main" id="{81FE401D-8DC1-4E6F-BCBA-6074B43B2064}"/>
                 </a:ext>
               </a:extLst>
             </p:cNvPr>
@@ -27310,7 +27657,7 @@
               <p:cNvPr id="15" name="Freeform: Shape 14">
                 <a:extLst>
                   <a:ext uri="{FF2B5EF4-FFF2-40B4-BE49-F238E27FC236}">
-                    <a16:creationId xmlns:a16="http://schemas.microsoft.com/office/drawing/2014/main" xmlns="" id="{86EEE726-6A27-4EAB-A492-546102855DFF}"/>
+                    <a16:creationId xmlns="" xmlns:a16="http://schemas.microsoft.com/office/drawing/2014/main" id="{86EEE726-6A27-4EAB-A492-546102855DFF}"/>
                   </a:ext>
                 </a:extLst>
               </p:cNvPr>
@@ -27874,7 +28221,7 @@
               <p:cNvPr id="16" name="Freeform: Shape 15">
                 <a:extLst>
                   <a:ext uri="{FF2B5EF4-FFF2-40B4-BE49-F238E27FC236}">
-                    <a16:creationId xmlns:a16="http://schemas.microsoft.com/office/drawing/2014/main" xmlns="" id="{59BA629F-7354-4BCA-B02A-BDD2970899AD}"/>
+                    <a16:creationId xmlns="" xmlns:a16="http://schemas.microsoft.com/office/drawing/2014/main" id="{59BA629F-7354-4BCA-B02A-BDD2970899AD}"/>
                   </a:ext>
                 </a:extLst>
               </p:cNvPr>
@@ -28198,7 +28545,7 @@
               <p:cNvPr id="17" name="Freeform: Shape 16">
                 <a:extLst>
                   <a:ext uri="{FF2B5EF4-FFF2-40B4-BE49-F238E27FC236}">
-                    <a16:creationId xmlns:a16="http://schemas.microsoft.com/office/drawing/2014/main" xmlns="" id="{0C2ED777-93FD-4274-8762-302770EF5565}"/>
+                    <a16:creationId xmlns="" xmlns:a16="http://schemas.microsoft.com/office/drawing/2014/main" id="{0C2ED777-93FD-4274-8762-302770EF5565}"/>
                   </a:ext>
                 </a:extLst>
               </p:cNvPr>
@@ -28550,7 +28897,7 @@
               <p:cNvPr id="18" name="Freeform: Shape 17">
                 <a:extLst>
                   <a:ext uri="{FF2B5EF4-FFF2-40B4-BE49-F238E27FC236}">
-                    <a16:creationId xmlns:a16="http://schemas.microsoft.com/office/drawing/2014/main" xmlns="" id="{99785245-6610-424C-97B0-2F8E5A24CF30}"/>
+                    <a16:creationId xmlns="" xmlns:a16="http://schemas.microsoft.com/office/drawing/2014/main" id="{99785245-6610-424C-97B0-2F8E5A24CF30}"/>
                   </a:ext>
                 </a:extLst>
               </p:cNvPr>
@@ -28754,7 +29101,7 @@
               <p:cNvPr id="19" name="Freeform: Shape 18">
                 <a:extLst>
                   <a:ext uri="{FF2B5EF4-FFF2-40B4-BE49-F238E27FC236}">
-                    <a16:creationId xmlns:a16="http://schemas.microsoft.com/office/drawing/2014/main" xmlns="" id="{9AEDBB3F-2667-43DF-A5AF-6FBCA59AA09F}"/>
+                    <a16:creationId xmlns="" xmlns:a16="http://schemas.microsoft.com/office/drawing/2014/main" id="{9AEDBB3F-2667-43DF-A5AF-6FBCA59AA09F}"/>
                   </a:ext>
                 </a:extLst>
               </p:cNvPr>
@@ -28868,7 +29215,7 @@
               <p:cNvPr id="20" name="Freeform: Shape 19">
                 <a:extLst>
                   <a:ext uri="{FF2B5EF4-FFF2-40B4-BE49-F238E27FC236}">
-                    <a16:creationId xmlns:a16="http://schemas.microsoft.com/office/drawing/2014/main" xmlns="" id="{97B7BCA2-E7C1-4116-93C9-6A28A5DABFD0}"/>
+                    <a16:creationId xmlns="" xmlns:a16="http://schemas.microsoft.com/office/drawing/2014/main" id="{97B7BCA2-E7C1-4116-93C9-6A28A5DABFD0}"/>
                   </a:ext>
                 </a:extLst>
               </p:cNvPr>
@@ -28938,7 +29285,7 @@
               <p:cNvPr id="21" name="Freeform: Shape 20">
                 <a:extLst>
                   <a:ext uri="{FF2B5EF4-FFF2-40B4-BE49-F238E27FC236}">
-                    <a16:creationId xmlns:a16="http://schemas.microsoft.com/office/drawing/2014/main" xmlns="" id="{51DFFEC5-3322-4BB2-80F9-6F05ACFAC2C8}"/>
+                    <a16:creationId xmlns="" xmlns:a16="http://schemas.microsoft.com/office/drawing/2014/main" id="{51DFFEC5-3322-4BB2-80F9-6F05ACFAC2C8}"/>
                   </a:ext>
                 </a:extLst>
               </p:cNvPr>
@@ -29032,7 +29379,7 @@
               <p:cNvPr id="22" name="Freeform: Shape 21">
                 <a:extLst>
                   <a:ext uri="{FF2B5EF4-FFF2-40B4-BE49-F238E27FC236}">
-                    <a16:creationId xmlns:a16="http://schemas.microsoft.com/office/drawing/2014/main" xmlns="" id="{EA726670-D5B0-4BD3-B677-7532FF9EF958}"/>
+                    <a16:creationId xmlns="" xmlns:a16="http://schemas.microsoft.com/office/drawing/2014/main" id="{EA726670-D5B0-4BD3-B677-7532FF9EF958}"/>
                   </a:ext>
                 </a:extLst>
               </p:cNvPr>
@@ -29198,7 +29545,7 @@
           <p:cNvPr id="2" name="Text Placeholder 1">
             <a:extLst>
               <a:ext uri="{FF2B5EF4-FFF2-40B4-BE49-F238E27FC236}">
-                <a16:creationId xmlns:a16="http://schemas.microsoft.com/office/drawing/2014/main" xmlns="" id="{D735F7F3-C1B5-4B60-A00A-4EB618DDFB5A}"/>
+                <a16:creationId xmlns="" xmlns:a16="http://schemas.microsoft.com/office/drawing/2014/main" id="{D735F7F3-C1B5-4B60-A00A-4EB618DDFB5A}"/>
               </a:ext>
             </a:extLst>
           </p:cNvPr>
@@ -29227,7 +29574,7 @@
           <p:cNvPr id="21" name="TextBox 20">
             <a:extLst>
               <a:ext uri="{FF2B5EF4-FFF2-40B4-BE49-F238E27FC236}">
-                <a16:creationId xmlns:a16="http://schemas.microsoft.com/office/drawing/2014/main" xmlns="" id="{F0CD0CAC-0F4A-4DB4-9EA6-04271D04AE21}"/>
+                <a16:creationId xmlns="" xmlns:a16="http://schemas.microsoft.com/office/drawing/2014/main" id="{F0CD0CAC-0F4A-4DB4-9EA6-04271D04AE21}"/>
               </a:ext>
             </a:extLst>
           </p:cNvPr>
@@ -29275,7 +29622,7 @@
           <p:cNvPr id="23" name="TextBox 22">
             <a:extLst>
               <a:ext uri="{FF2B5EF4-FFF2-40B4-BE49-F238E27FC236}">
-                <a16:creationId xmlns:a16="http://schemas.microsoft.com/office/drawing/2014/main" xmlns="" id="{F9F80507-3129-46BE-94E1-A5249907319C}"/>
+                <a16:creationId xmlns="" xmlns:a16="http://schemas.microsoft.com/office/drawing/2014/main" id="{F9F80507-3129-46BE-94E1-A5249907319C}"/>
               </a:ext>
             </a:extLst>
           </p:cNvPr>
@@ -29436,7 +29783,7 @@
           <p:cNvPr id="2" name="Text Placeholder 1">
             <a:extLst>
               <a:ext uri="{FF2B5EF4-FFF2-40B4-BE49-F238E27FC236}">
-                <a16:creationId xmlns:a16="http://schemas.microsoft.com/office/drawing/2014/main" xmlns="" id="{D735F7F3-C1B5-4B60-A00A-4EB618DDFB5A}"/>
+                <a16:creationId xmlns="" xmlns:a16="http://schemas.microsoft.com/office/drawing/2014/main" id="{D735F7F3-C1B5-4B60-A00A-4EB618DDFB5A}"/>
               </a:ext>
             </a:extLst>
           </p:cNvPr>
@@ -29465,7 +29812,7 @@
           <p:cNvPr id="12" name="TextBox 11">
             <a:extLst>
               <a:ext uri="{FF2B5EF4-FFF2-40B4-BE49-F238E27FC236}">
-                <a16:creationId xmlns:a16="http://schemas.microsoft.com/office/drawing/2014/main" xmlns="" id="{B0ABF554-785A-457E-A717-DBAF4F0179A1}"/>
+                <a16:creationId xmlns="" xmlns:a16="http://schemas.microsoft.com/office/drawing/2014/main" id="{B0ABF554-785A-457E-A717-DBAF4F0179A1}"/>
               </a:ext>
             </a:extLst>
           </p:cNvPr>
@@ -29523,7 +29870,7 @@
           <p:cNvPr id="13" name="TextBox 12">
             <a:extLst>
               <a:ext uri="{FF2B5EF4-FFF2-40B4-BE49-F238E27FC236}">
-                <a16:creationId xmlns:a16="http://schemas.microsoft.com/office/drawing/2014/main" xmlns="" id="{F5729D32-45F5-45F4-B7A3-9A33CEF9B0D4}"/>
+                <a16:creationId xmlns="" xmlns:a16="http://schemas.microsoft.com/office/drawing/2014/main" id="{F5729D32-45F5-45F4-B7A3-9A33CEF9B0D4}"/>
               </a:ext>
             </a:extLst>
           </p:cNvPr>
@@ -29581,7 +29928,7 @@
           <p:cNvPr id="14" name="TextBox 13">
             <a:extLst>
               <a:ext uri="{FF2B5EF4-FFF2-40B4-BE49-F238E27FC236}">
-                <a16:creationId xmlns:a16="http://schemas.microsoft.com/office/drawing/2014/main" xmlns="" id="{0992DEF8-5D60-40DF-A303-A71051C510E0}"/>
+                <a16:creationId xmlns="" xmlns:a16="http://schemas.microsoft.com/office/drawing/2014/main" id="{0992DEF8-5D60-40DF-A303-A71051C510E0}"/>
               </a:ext>
             </a:extLst>
           </p:cNvPr>
@@ -29639,7 +29986,7 @@
           <p:cNvPr id="21" name="TextBox 20">
             <a:extLst>
               <a:ext uri="{FF2B5EF4-FFF2-40B4-BE49-F238E27FC236}">
-                <a16:creationId xmlns:a16="http://schemas.microsoft.com/office/drawing/2014/main" xmlns="" id="{C8948062-C4FC-4C29-BFD2-FA3B8C918F15}"/>
+                <a16:creationId xmlns="" xmlns:a16="http://schemas.microsoft.com/office/drawing/2014/main" id="{C8948062-C4FC-4C29-BFD2-FA3B8C918F15}"/>
               </a:ext>
             </a:extLst>
           </p:cNvPr>
@@ -29882,7 +30229,7 @@
           <p:cNvPr id="40" name="TextBox 39">
             <a:extLst>
               <a:ext uri="{FF2B5EF4-FFF2-40B4-BE49-F238E27FC236}">
-                <a16:creationId xmlns:a16="http://schemas.microsoft.com/office/drawing/2014/main" xmlns="" id="{B0ABF554-785A-457E-A717-DBAF4F0179A1}"/>
+                <a16:creationId xmlns="" xmlns:a16="http://schemas.microsoft.com/office/drawing/2014/main" id="{B0ABF554-785A-457E-A717-DBAF4F0179A1}"/>
               </a:ext>
             </a:extLst>
           </p:cNvPr>
@@ -30003,7 +30350,7 @@
           <p:cNvPr id="3" name="Rectangle 2">
             <a:extLst>
               <a:ext uri="{FF2B5EF4-FFF2-40B4-BE49-F238E27FC236}">
-                <a16:creationId xmlns:a16="http://schemas.microsoft.com/office/drawing/2014/main" xmlns="" id="{2651B009-F74D-493D-A4C0-8C285F899FBE}"/>
+                <a16:creationId xmlns="" xmlns:a16="http://schemas.microsoft.com/office/drawing/2014/main" id="{2651B009-F74D-493D-A4C0-8C285F899FBE}"/>
               </a:ext>
             </a:extLst>
           </p:cNvPr>
@@ -30055,7 +30402,7 @@
           <p:cNvPr id="51" name="Freeform: Shape 50">
             <a:extLst>
               <a:ext uri="{FF2B5EF4-FFF2-40B4-BE49-F238E27FC236}">
-                <a16:creationId xmlns:a16="http://schemas.microsoft.com/office/drawing/2014/main" xmlns="" id="{D2A26D99-C44D-41C1-AB96-AE2965356FF4}"/>
+                <a16:creationId xmlns="" xmlns:a16="http://schemas.microsoft.com/office/drawing/2014/main" id="{D2A26D99-C44D-41C1-AB96-AE2965356FF4}"/>
               </a:ext>
             </a:extLst>
           </p:cNvPr>
@@ -30159,7 +30506,7 @@
           <p:cNvPr id="55" name="Freeform: Shape 54">
             <a:extLst>
               <a:ext uri="{FF2B5EF4-FFF2-40B4-BE49-F238E27FC236}">
-                <a16:creationId xmlns:a16="http://schemas.microsoft.com/office/drawing/2014/main" xmlns="" id="{E6D15FA7-1FD7-406C-94D8-1DF7A55C077F}"/>
+                <a16:creationId xmlns="" xmlns:a16="http://schemas.microsoft.com/office/drawing/2014/main" id="{E6D15FA7-1FD7-406C-94D8-1DF7A55C077F}"/>
               </a:ext>
             </a:extLst>
           </p:cNvPr>
@@ -30233,7 +30580,7 @@
           <p:cNvPr id="75" name="Freeform: Shape 74">
             <a:extLst>
               <a:ext uri="{FF2B5EF4-FFF2-40B4-BE49-F238E27FC236}">
-                <a16:creationId xmlns:a16="http://schemas.microsoft.com/office/drawing/2014/main" xmlns="" id="{9197054C-1F34-4541-A6B6-24AAA9EF9158}"/>
+                <a16:creationId xmlns="" xmlns:a16="http://schemas.microsoft.com/office/drawing/2014/main" id="{9197054C-1F34-4541-A6B6-24AAA9EF9158}"/>
               </a:ext>
             </a:extLst>
           </p:cNvPr>
@@ -30339,7 +30686,7 @@
           <p:cNvPr id="78" name="TextBox 77">
             <a:extLst>
               <a:ext uri="{FF2B5EF4-FFF2-40B4-BE49-F238E27FC236}">
-                <a16:creationId xmlns:a16="http://schemas.microsoft.com/office/drawing/2014/main" xmlns="" id="{3D38F718-520B-4572-ACEF-7227974AD830}"/>
+                <a16:creationId xmlns="" xmlns:a16="http://schemas.microsoft.com/office/drawing/2014/main" id="{3D38F718-520B-4572-ACEF-7227974AD830}"/>
               </a:ext>
             </a:extLst>
           </p:cNvPr>
@@ -30386,7 +30733,7 @@
           <p:cNvPr id="88" name="Group 87">
             <a:extLst>
               <a:ext uri="{FF2B5EF4-FFF2-40B4-BE49-F238E27FC236}">
-                <a16:creationId xmlns:a16="http://schemas.microsoft.com/office/drawing/2014/main" xmlns="" id="{BCB5001D-F8D6-4825-A863-CEBABEE06AF8}"/>
+                <a16:creationId xmlns="" xmlns:a16="http://schemas.microsoft.com/office/drawing/2014/main" id="{BCB5001D-F8D6-4825-A863-CEBABEE06AF8}"/>
               </a:ext>
             </a:extLst>
           </p:cNvPr>
@@ -30406,7 +30753,7 @@
             <p:cNvPr id="79" name="Freeform: Shape 78">
               <a:extLst>
                 <a:ext uri="{FF2B5EF4-FFF2-40B4-BE49-F238E27FC236}">
-                  <a16:creationId xmlns:a16="http://schemas.microsoft.com/office/drawing/2014/main" xmlns="" id="{735B1A28-70AD-4FCB-807E-47D2AC9B8671}"/>
+                  <a16:creationId xmlns="" xmlns:a16="http://schemas.microsoft.com/office/drawing/2014/main" id="{735B1A28-70AD-4FCB-807E-47D2AC9B8671}"/>
                 </a:ext>
               </a:extLst>
             </p:cNvPr>
@@ -30510,7 +30857,7 @@
             <p:cNvPr id="80" name="Freeform: Shape 79">
               <a:extLst>
                 <a:ext uri="{FF2B5EF4-FFF2-40B4-BE49-F238E27FC236}">
-                  <a16:creationId xmlns:a16="http://schemas.microsoft.com/office/drawing/2014/main" xmlns="" id="{5309BBB8-B52B-40EF-82D3-0D4A8AAD8574}"/>
+                  <a16:creationId xmlns="" xmlns:a16="http://schemas.microsoft.com/office/drawing/2014/main" id="{5309BBB8-B52B-40EF-82D3-0D4A8AAD8574}"/>
                 </a:ext>
               </a:extLst>
             </p:cNvPr>
@@ -30584,7 +30931,7 @@
             <p:cNvPr id="83" name="Rectangle 82">
               <a:extLst>
                 <a:ext uri="{FF2B5EF4-FFF2-40B4-BE49-F238E27FC236}">
-                  <a16:creationId xmlns:a16="http://schemas.microsoft.com/office/drawing/2014/main" xmlns="" id="{EEC5E559-D6E9-453B-8CAC-5BDC90DB94CF}"/>
+                  <a16:creationId xmlns="" xmlns:a16="http://schemas.microsoft.com/office/drawing/2014/main" id="{EEC5E559-D6E9-453B-8CAC-5BDC90DB94CF}"/>
                 </a:ext>
               </a:extLst>
             </p:cNvPr>
@@ -30617,19 +30964,7 @@
                   </a:solidFill>
                   <a:cs typeface="Arial" pitchFamily="34" charset="0"/>
                 </a:rPr>
-                <a:t>You can login with a account or register a new one </a:t>
-              </a:r>
-              <a:r>
-                <a:rPr lang="en-US" altLang="ko-KR" smtClean="0">
-                  <a:solidFill>
-                    <a:schemeClr val="tx1">
-                      <a:lumMod val="85000"/>
-                      <a:lumOff val="15000"/>
-                    </a:schemeClr>
-                  </a:solidFill>
-                  <a:cs typeface="Arial" pitchFamily="34" charset="0"/>
-                </a:rPr>
-                <a:t>for advanced work</a:t>
+                <a:t>You can login with a account or register a new one for advanced work</a:t>
               </a:r>
               <a:endParaRPr lang="en-US" altLang="ko-KR" dirty="0">
                 <a:solidFill>
@@ -30648,7 +30983,7 @@
             <p:cNvPr id="84" name="Freeform: Shape 83">
               <a:extLst>
                 <a:ext uri="{FF2B5EF4-FFF2-40B4-BE49-F238E27FC236}">
-                  <a16:creationId xmlns:a16="http://schemas.microsoft.com/office/drawing/2014/main" xmlns="" id="{07EFAAEC-EF1C-4028-9FA0-93D6AB5CA1C9}"/>
+                  <a16:creationId xmlns="" xmlns:a16="http://schemas.microsoft.com/office/drawing/2014/main" id="{07EFAAEC-EF1C-4028-9FA0-93D6AB5CA1C9}"/>
                 </a:ext>
               </a:extLst>
             </p:cNvPr>
@@ -30867,7 +31202,7 @@
           <p:cNvPr id="2" name="Text Placeholder 1">
             <a:extLst>
               <a:ext uri="{FF2B5EF4-FFF2-40B4-BE49-F238E27FC236}">
-                <a16:creationId xmlns:a16="http://schemas.microsoft.com/office/drawing/2014/main" xmlns="" id="{D735F7F3-C1B5-4B60-A00A-4EB618DDFB5A}"/>
+                <a16:creationId xmlns="" xmlns:a16="http://schemas.microsoft.com/office/drawing/2014/main" id="{D735F7F3-C1B5-4B60-A00A-4EB618DDFB5A}"/>
               </a:ext>
             </a:extLst>
           </p:cNvPr>
@@ -30896,7 +31231,7 @@
           <p:cNvPr id="39" name="Rectangle 38">
             <a:extLst>
               <a:ext uri="{FF2B5EF4-FFF2-40B4-BE49-F238E27FC236}">
-                <a16:creationId xmlns:a16="http://schemas.microsoft.com/office/drawing/2014/main" xmlns="" id="{3420C4A0-A773-4735-8736-1033AFB2DA3D}"/>
+                <a16:creationId xmlns="" xmlns:a16="http://schemas.microsoft.com/office/drawing/2014/main" id="{3420C4A0-A773-4735-8736-1033AFB2DA3D}"/>
               </a:ext>
             </a:extLst>
           </p:cNvPr>
@@ -30948,7 +31283,7 @@
           <p:cNvPr id="48" name="Text Placeholder 17">
             <a:extLst>
               <a:ext uri="{FF2B5EF4-FFF2-40B4-BE49-F238E27FC236}">
-                <a16:creationId xmlns:a16="http://schemas.microsoft.com/office/drawing/2014/main" xmlns="" id="{570F809C-6B54-4D0F-AA83-9EF538D1F463}"/>
+                <a16:creationId xmlns="" xmlns:a16="http://schemas.microsoft.com/office/drawing/2014/main" id="{570F809C-6B54-4D0F-AA83-9EF538D1F463}"/>
               </a:ext>
             </a:extLst>
           </p:cNvPr>
@@ -31181,7 +31516,7 @@
           <p:cNvPr id="52" name="Text Placeholder 17">
             <a:extLst>
               <a:ext uri="{FF2B5EF4-FFF2-40B4-BE49-F238E27FC236}">
-                <a16:creationId xmlns:a16="http://schemas.microsoft.com/office/drawing/2014/main" xmlns="" id="{570F809C-6B54-4D0F-AA83-9EF538D1F463}"/>
+                <a16:creationId xmlns="" xmlns:a16="http://schemas.microsoft.com/office/drawing/2014/main" id="{570F809C-6B54-4D0F-AA83-9EF538D1F463}"/>
               </a:ext>
             </a:extLst>
           </p:cNvPr>
@@ -31366,7 +31701,7 @@
           <p:cNvPr id="53" name="TextBox 52">
             <a:extLst>
               <a:ext uri="{FF2B5EF4-FFF2-40B4-BE49-F238E27FC236}">
-                <a16:creationId xmlns:a16="http://schemas.microsoft.com/office/drawing/2014/main" xmlns="" id="{4E853DB2-98A3-441F-9864-958E2844F474}"/>
+                <a16:creationId xmlns="" xmlns:a16="http://schemas.microsoft.com/office/drawing/2014/main" id="{4E853DB2-98A3-441F-9864-958E2844F474}"/>
               </a:ext>
             </a:extLst>
           </p:cNvPr>
@@ -31413,7 +31748,7 @@
           <p:cNvPr id="54" name="TextBox 53">
             <a:extLst>
               <a:ext uri="{FF2B5EF4-FFF2-40B4-BE49-F238E27FC236}">
-                <a16:creationId xmlns:a16="http://schemas.microsoft.com/office/drawing/2014/main" xmlns="" id="{73AB96FE-51CA-485B-8099-02075447E012}"/>
+                <a16:creationId xmlns="" xmlns:a16="http://schemas.microsoft.com/office/drawing/2014/main" id="{73AB96FE-51CA-485B-8099-02075447E012}"/>
               </a:ext>
             </a:extLst>
           </p:cNvPr>
@@ -31573,7 +31908,7 @@
           <p:cNvPr id="55" name="TextBox 54">
             <a:extLst>
               <a:ext uri="{FF2B5EF4-FFF2-40B4-BE49-F238E27FC236}">
-                <a16:creationId xmlns:a16="http://schemas.microsoft.com/office/drawing/2014/main" xmlns="" id="{4E853DB2-98A3-441F-9864-958E2844F474}"/>
+                <a16:creationId xmlns="" xmlns:a16="http://schemas.microsoft.com/office/drawing/2014/main" id="{4E853DB2-98A3-441F-9864-958E2844F474}"/>
               </a:ext>
             </a:extLst>
           </p:cNvPr>
@@ -31620,7 +31955,7 @@
           <p:cNvPr id="56" name="TextBox 55">
             <a:extLst>
               <a:ext uri="{FF2B5EF4-FFF2-40B4-BE49-F238E27FC236}">
-                <a16:creationId xmlns:a16="http://schemas.microsoft.com/office/drawing/2014/main" xmlns="" id="{4E853DB2-98A3-441F-9864-958E2844F474}"/>
+                <a16:creationId xmlns="" xmlns:a16="http://schemas.microsoft.com/office/drawing/2014/main" id="{4E853DB2-98A3-441F-9864-958E2844F474}"/>
               </a:ext>
             </a:extLst>
           </p:cNvPr>
@@ -31793,7 +32128,7 @@
           <p:cNvPr id="2" name="Text Placeholder 1">
             <a:extLst>
               <a:ext uri="{FF2B5EF4-FFF2-40B4-BE49-F238E27FC236}">
-                <a16:creationId xmlns:a16="http://schemas.microsoft.com/office/drawing/2014/main" xmlns="" id="{D9B85F3A-0D98-4AE5-8CED-AA4A4CF82188}"/>
+                <a16:creationId xmlns="" xmlns:a16="http://schemas.microsoft.com/office/drawing/2014/main" id="{D9B85F3A-0D98-4AE5-8CED-AA4A4CF82188}"/>
               </a:ext>
             </a:extLst>
           </p:cNvPr>
@@ -31822,7 +32157,7 @@
           <p:cNvPr id="3" name="Group 2">
             <a:extLst>
               <a:ext uri="{FF2B5EF4-FFF2-40B4-BE49-F238E27FC236}">
-                <a16:creationId xmlns:a16="http://schemas.microsoft.com/office/drawing/2014/main" xmlns="" id="{2CA0DC0A-DE24-4B4E-A90E-C6E4CB699F62}"/>
+                <a16:creationId xmlns="" xmlns:a16="http://schemas.microsoft.com/office/drawing/2014/main" id="{2CA0DC0A-DE24-4B4E-A90E-C6E4CB699F62}"/>
               </a:ext>
             </a:extLst>
           </p:cNvPr>
@@ -31842,7 +32177,7 @@
             <p:cNvPr id="4" name="Rectangle 3">
               <a:extLst>
                 <a:ext uri="{FF2B5EF4-FFF2-40B4-BE49-F238E27FC236}">
-                  <a16:creationId xmlns:a16="http://schemas.microsoft.com/office/drawing/2014/main" xmlns="" id="{4B3348D8-0703-43A0-8990-566D55990F24}"/>
+                  <a16:creationId xmlns="" xmlns:a16="http://schemas.microsoft.com/office/drawing/2014/main" id="{4B3348D8-0703-43A0-8990-566D55990F24}"/>
                 </a:ext>
               </a:extLst>
             </p:cNvPr>
@@ -31924,7 +32259,7 @@
             <p:cNvPr id="5" name="Rectangle 3">
               <a:extLst>
                 <a:ext uri="{FF2B5EF4-FFF2-40B4-BE49-F238E27FC236}">
-                  <a16:creationId xmlns:a16="http://schemas.microsoft.com/office/drawing/2014/main" xmlns="" id="{CD1C5536-E8D3-4C9B-9CBE-4EC388764566}"/>
+                  <a16:creationId xmlns="" xmlns:a16="http://schemas.microsoft.com/office/drawing/2014/main" id="{CD1C5536-E8D3-4C9B-9CBE-4EC388764566}"/>
                 </a:ext>
               </a:extLst>
             </p:cNvPr>
@@ -32010,7 +32345,7 @@
             <p:cNvPr id="6" name="Rectangle 3">
               <a:extLst>
                 <a:ext uri="{FF2B5EF4-FFF2-40B4-BE49-F238E27FC236}">
-                  <a16:creationId xmlns:a16="http://schemas.microsoft.com/office/drawing/2014/main" xmlns="" id="{873D03E8-95E5-4485-B850-9ADB93C33550}"/>
+                  <a16:creationId xmlns="" xmlns:a16="http://schemas.microsoft.com/office/drawing/2014/main" id="{873D03E8-95E5-4485-B850-9ADB93C33550}"/>
                 </a:ext>
               </a:extLst>
             </p:cNvPr>
@@ -32092,7 +32427,7 @@
             <p:cNvPr id="7" name="Rectangle 3">
               <a:extLst>
                 <a:ext uri="{FF2B5EF4-FFF2-40B4-BE49-F238E27FC236}">
-                  <a16:creationId xmlns:a16="http://schemas.microsoft.com/office/drawing/2014/main" xmlns="" id="{5A3D1525-E2E3-4A53-BB39-47850FAD2AE2}"/>
+                  <a16:creationId xmlns="" xmlns:a16="http://schemas.microsoft.com/office/drawing/2014/main" id="{5A3D1525-E2E3-4A53-BB39-47850FAD2AE2}"/>
                 </a:ext>
               </a:extLst>
             </p:cNvPr>
@@ -32174,7 +32509,7 @@
             <p:cNvPr id="8" name="Rectangle 3">
               <a:extLst>
                 <a:ext uri="{FF2B5EF4-FFF2-40B4-BE49-F238E27FC236}">
-                  <a16:creationId xmlns:a16="http://schemas.microsoft.com/office/drawing/2014/main" xmlns="" id="{D4B3A63B-3989-415E-A220-6D937ACE5C78}"/>
+                  <a16:creationId xmlns="" xmlns:a16="http://schemas.microsoft.com/office/drawing/2014/main" id="{D4B3A63B-3989-415E-A220-6D937ACE5C78}"/>
                 </a:ext>
               </a:extLst>
             </p:cNvPr>
@@ -32256,7 +32591,7 @@
             <p:cNvPr id="9" name="Rectangle 3">
               <a:extLst>
                 <a:ext uri="{FF2B5EF4-FFF2-40B4-BE49-F238E27FC236}">
-                  <a16:creationId xmlns:a16="http://schemas.microsoft.com/office/drawing/2014/main" xmlns="" id="{9CAB811C-904A-4090-995D-7B1B708FB5B9}"/>
+                  <a16:creationId xmlns="" xmlns:a16="http://schemas.microsoft.com/office/drawing/2014/main" id="{9CAB811C-904A-4090-995D-7B1B708FB5B9}"/>
                 </a:ext>
               </a:extLst>
             </p:cNvPr>
@@ -32339,7 +32674,7 @@
           <p:cNvPr id="11" name="TextBox 10">
             <a:extLst>
               <a:ext uri="{FF2B5EF4-FFF2-40B4-BE49-F238E27FC236}">
-                <a16:creationId xmlns:a16="http://schemas.microsoft.com/office/drawing/2014/main" xmlns="" id="{CE5C4968-E01A-4BF1-83BB-D7C81C1B564D}"/>
+                <a16:creationId xmlns="" xmlns:a16="http://schemas.microsoft.com/office/drawing/2014/main" id="{CE5C4968-E01A-4BF1-83BB-D7C81C1B564D}"/>
               </a:ext>
             </a:extLst>
           </p:cNvPr>
@@ -32392,7 +32727,7 @@
           <p:cNvPr id="12" name="Group 11">
             <a:extLst>
               <a:ext uri="{FF2B5EF4-FFF2-40B4-BE49-F238E27FC236}">
-                <a16:creationId xmlns:a16="http://schemas.microsoft.com/office/drawing/2014/main" xmlns="" id="{E75D70ED-1EC8-490D-B761-798BCEE51C56}"/>
+                <a16:creationId xmlns="" xmlns:a16="http://schemas.microsoft.com/office/drawing/2014/main" id="{E75D70ED-1EC8-490D-B761-798BCEE51C56}"/>
               </a:ext>
             </a:extLst>
           </p:cNvPr>
@@ -32412,7 +32747,7 @@
             <p:cNvPr id="13" name="TextBox 12">
               <a:extLst>
                 <a:ext uri="{FF2B5EF4-FFF2-40B4-BE49-F238E27FC236}">
-                  <a16:creationId xmlns:a16="http://schemas.microsoft.com/office/drawing/2014/main" xmlns="" id="{461AC732-0CF1-41B2-9771-425C49633C15}"/>
+                  <a16:creationId xmlns="" xmlns:a16="http://schemas.microsoft.com/office/drawing/2014/main" id="{461AC732-0CF1-41B2-9771-425C49633C15}"/>
                 </a:ext>
               </a:extLst>
             </p:cNvPr>
@@ -32465,7 +32800,7 @@
             <p:cNvPr id="14" name="TextBox 13">
               <a:extLst>
                 <a:ext uri="{FF2B5EF4-FFF2-40B4-BE49-F238E27FC236}">
-                  <a16:creationId xmlns:a16="http://schemas.microsoft.com/office/drawing/2014/main" xmlns="" id="{FA1D1A4F-84CC-487C-9F5E-6B358EBAC845}"/>
+                  <a16:creationId xmlns="" xmlns:a16="http://schemas.microsoft.com/office/drawing/2014/main" id="{FA1D1A4F-84CC-487C-9F5E-6B358EBAC845}"/>
                 </a:ext>
               </a:extLst>
             </p:cNvPr>
@@ -32507,7 +32842,7 @@
           <p:cNvPr id="15" name="TextBox 14">
             <a:extLst>
               <a:ext uri="{FF2B5EF4-FFF2-40B4-BE49-F238E27FC236}">
-                <a16:creationId xmlns:a16="http://schemas.microsoft.com/office/drawing/2014/main" xmlns="" id="{B7D6FDF5-031A-4166-A22C-DCAD03492051}"/>
+                <a16:creationId xmlns="" xmlns:a16="http://schemas.microsoft.com/office/drawing/2014/main" id="{B7D6FDF5-031A-4166-A22C-DCAD03492051}"/>
               </a:ext>
             </a:extLst>
           </p:cNvPr>
@@ -32560,7 +32895,7 @@
           <p:cNvPr id="16" name="Group 15">
             <a:extLst>
               <a:ext uri="{FF2B5EF4-FFF2-40B4-BE49-F238E27FC236}">
-                <a16:creationId xmlns:a16="http://schemas.microsoft.com/office/drawing/2014/main" xmlns="" id="{A49923BF-1302-48E1-B972-36CFCF2B0171}"/>
+                <a16:creationId xmlns="" xmlns:a16="http://schemas.microsoft.com/office/drawing/2014/main" id="{A49923BF-1302-48E1-B972-36CFCF2B0171}"/>
               </a:ext>
             </a:extLst>
           </p:cNvPr>
@@ -32580,7 +32915,7 @@
             <p:cNvPr id="17" name="TextBox 16">
               <a:extLst>
                 <a:ext uri="{FF2B5EF4-FFF2-40B4-BE49-F238E27FC236}">
-                  <a16:creationId xmlns:a16="http://schemas.microsoft.com/office/drawing/2014/main" xmlns="" id="{6EF3140D-9A0F-427C-8EBB-A248D0888D0A}"/>
+                  <a16:creationId xmlns="" xmlns:a16="http://schemas.microsoft.com/office/drawing/2014/main" id="{6EF3140D-9A0F-427C-8EBB-A248D0888D0A}"/>
                 </a:ext>
               </a:extLst>
             </p:cNvPr>
@@ -32633,7 +32968,7 @@
             <p:cNvPr id="18" name="TextBox 17">
               <a:extLst>
                 <a:ext uri="{FF2B5EF4-FFF2-40B4-BE49-F238E27FC236}">
-                  <a16:creationId xmlns:a16="http://schemas.microsoft.com/office/drawing/2014/main" xmlns="" id="{95563CC5-4A5B-43AF-B52C-FA16E704D3C2}"/>
+                  <a16:creationId xmlns="" xmlns:a16="http://schemas.microsoft.com/office/drawing/2014/main" id="{95563CC5-4A5B-43AF-B52C-FA16E704D3C2}"/>
                 </a:ext>
               </a:extLst>
             </p:cNvPr>
@@ -32675,7 +33010,7 @@
           <p:cNvPr id="21" name="TextBox 20">
             <a:extLst>
               <a:ext uri="{FF2B5EF4-FFF2-40B4-BE49-F238E27FC236}">
-                <a16:creationId xmlns:a16="http://schemas.microsoft.com/office/drawing/2014/main" xmlns="" id="{10A425CD-39C1-44EB-ACAD-09C2F26065B2}"/>
+                <a16:creationId xmlns="" xmlns:a16="http://schemas.microsoft.com/office/drawing/2014/main" id="{10A425CD-39C1-44EB-ACAD-09C2F26065B2}"/>
               </a:ext>
             </a:extLst>
           </p:cNvPr>
@@ -32728,7 +33063,7 @@
           <p:cNvPr id="22" name="Group 21">
             <a:extLst>
               <a:ext uri="{FF2B5EF4-FFF2-40B4-BE49-F238E27FC236}">
-                <a16:creationId xmlns:a16="http://schemas.microsoft.com/office/drawing/2014/main" xmlns="" id="{6A204AF1-4E67-4D3A-AF50-FCE1495CDD11}"/>
+                <a16:creationId xmlns="" xmlns:a16="http://schemas.microsoft.com/office/drawing/2014/main" id="{6A204AF1-4E67-4D3A-AF50-FCE1495CDD11}"/>
               </a:ext>
             </a:extLst>
           </p:cNvPr>
@@ -32748,7 +33083,7 @@
             <p:cNvPr id="23" name="TextBox 22">
               <a:extLst>
                 <a:ext uri="{FF2B5EF4-FFF2-40B4-BE49-F238E27FC236}">
-                  <a16:creationId xmlns:a16="http://schemas.microsoft.com/office/drawing/2014/main" xmlns="" id="{FF8AD01A-D523-41CA-BE9B-1AEA39ECEB0B}"/>
+                  <a16:creationId xmlns="" xmlns:a16="http://schemas.microsoft.com/office/drawing/2014/main" id="{FF8AD01A-D523-41CA-BE9B-1AEA39ECEB0B}"/>
                 </a:ext>
               </a:extLst>
             </p:cNvPr>
@@ -32801,7 +33136,7 @@
             <p:cNvPr id="24" name="TextBox 23">
               <a:extLst>
                 <a:ext uri="{FF2B5EF4-FFF2-40B4-BE49-F238E27FC236}">
-                  <a16:creationId xmlns:a16="http://schemas.microsoft.com/office/drawing/2014/main" xmlns="" id="{09AAB6F5-35B7-44DB-8BB1-E5A270018489}"/>
+                  <a16:creationId xmlns="" xmlns:a16="http://schemas.microsoft.com/office/drawing/2014/main" id="{09AAB6F5-35B7-44DB-8BB1-E5A270018489}"/>
                 </a:ext>
               </a:extLst>
             </p:cNvPr>
@@ -32843,7 +33178,7 @@
           <p:cNvPr id="26" name="TextBox 25">
             <a:extLst>
               <a:ext uri="{FF2B5EF4-FFF2-40B4-BE49-F238E27FC236}">
-                <a16:creationId xmlns:a16="http://schemas.microsoft.com/office/drawing/2014/main" xmlns="" id="{4AE2C3E7-3816-4D0A-8805-4D36520757D8}"/>
+                <a16:creationId xmlns="" xmlns:a16="http://schemas.microsoft.com/office/drawing/2014/main" id="{4AE2C3E7-3816-4D0A-8805-4D36520757D8}"/>
               </a:ext>
             </a:extLst>
           </p:cNvPr>
@@ -32911,7 +33246,7 @@
           <p:cNvPr id="27" name="Group 26">
             <a:extLst>
               <a:ext uri="{FF2B5EF4-FFF2-40B4-BE49-F238E27FC236}">
-                <a16:creationId xmlns:a16="http://schemas.microsoft.com/office/drawing/2014/main" xmlns="" id="{C9ADB64B-8868-4B54-9F47-1650378A8CDC}"/>
+                <a16:creationId xmlns="" xmlns:a16="http://schemas.microsoft.com/office/drawing/2014/main" id="{C9ADB64B-8868-4B54-9F47-1650378A8CDC}"/>
               </a:ext>
             </a:extLst>
           </p:cNvPr>
@@ -32931,7 +33266,7 @@
             <p:cNvPr id="28" name="TextBox 27">
               <a:extLst>
                 <a:ext uri="{FF2B5EF4-FFF2-40B4-BE49-F238E27FC236}">
-                  <a16:creationId xmlns:a16="http://schemas.microsoft.com/office/drawing/2014/main" xmlns="" id="{79F8F503-A41A-44E3-9CE5-018F0078E8B3}"/>
+                  <a16:creationId xmlns="" xmlns:a16="http://schemas.microsoft.com/office/drawing/2014/main" id="{79F8F503-A41A-44E3-9CE5-018F0078E8B3}"/>
                 </a:ext>
               </a:extLst>
             </p:cNvPr>
@@ -32984,7 +33319,7 @@
             <p:cNvPr id="29" name="TextBox 28">
               <a:extLst>
                 <a:ext uri="{FF2B5EF4-FFF2-40B4-BE49-F238E27FC236}">
-                  <a16:creationId xmlns:a16="http://schemas.microsoft.com/office/drawing/2014/main" xmlns="" id="{B76A94EA-98F7-4365-9305-BF7B92BFBC6C}"/>
+                  <a16:creationId xmlns="" xmlns:a16="http://schemas.microsoft.com/office/drawing/2014/main" id="{B76A94EA-98F7-4365-9305-BF7B92BFBC6C}"/>
                 </a:ext>
               </a:extLst>
             </p:cNvPr>
@@ -33026,7 +33361,7 @@
           <p:cNvPr id="30" name="TextBox 29">
             <a:extLst>
               <a:ext uri="{FF2B5EF4-FFF2-40B4-BE49-F238E27FC236}">
-                <a16:creationId xmlns:a16="http://schemas.microsoft.com/office/drawing/2014/main" xmlns="" id="{DD1D2A36-A3BF-421E-B499-C4EA007D07FC}"/>
+                <a16:creationId xmlns="" xmlns:a16="http://schemas.microsoft.com/office/drawing/2014/main" id="{DD1D2A36-A3BF-421E-B499-C4EA007D07FC}"/>
               </a:ext>
             </a:extLst>
           </p:cNvPr>
@@ -33079,7 +33414,7 @@
           <p:cNvPr id="31" name="Group 30">
             <a:extLst>
               <a:ext uri="{FF2B5EF4-FFF2-40B4-BE49-F238E27FC236}">
-                <a16:creationId xmlns:a16="http://schemas.microsoft.com/office/drawing/2014/main" xmlns="" id="{0D4E7CC5-86DF-40C7-9570-1D6C5523D48E}"/>
+                <a16:creationId xmlns="" xmlns:a16="http://schemas.microsoft.com/office/drawing/2014/main" id="{0D4E7CC5-86DF-40C7-9570-1D6C5523D48E}"/>
               </a:ext>
             </a:extLst>
           </p:cNvPr>
@@ -33099,7 +33434,7 @@
             <p:cNvPr id="32" name="TextBox 31">
               <a:extLst>
                 <a:ext uri="{FF2B5EF4-FFF2-40B4-BE49-F238E27FC236}">
-                  <a16:creationId xmlns:a16="http://schemas.microsoft.com/office/drawing/2014/main" xmlns="" id="{D1026460-F0EF-4263-99B0-33DA2D1BC0C0}"/>
+                  <a16:creationId xmlns="" xmlns:a16="http://schemas.microsoft.com/office/drawing/2014/main" id="{D1026460-F0EF-4263-99B0-33DA2D1BC0C0}"/>
                 </a:ext>
               </a:extLst>
             </p:cNvPr>
@@ -33152,7 +33487,7 @@
             <p:cNvPr id="33" name="TextBox 32">
               <a:extLst>
                 <a:ext uri="{FF2B5EF4-FFF2-40B4-BE49-F238E27FC236}">
-                  <a16:creationId xmlns:a16="http://schemas.microsoft.com/office/drawing/2014/main" xmlns="" id="{9C85441D-68A2-4A92-A5E7-C26290E628CB}"/>
+                  <a16:creationId xmlns="" xmlns:a16="http://schemas.microsoft.com/office/drawing/2014/main" id="{9C85441D-68A2-4A92-A5E7-C26290E628CB}"/>
                 </a:ext>
               </a:extLst>
             </p:cNvPr>
@@ -33194,7 +33529,7 @@
           <p:cNvPr id="35" name="TextBox 34">
             <a:extLst>
               <a:ext uri="{FF2B5EF4-FFF2-40B4-BE49-F238E27FC236}">
-                <a16:creationId xmlns:a16="http://schemas.microsoft.com/office/drawing/2014/main" xmlns="" id="{B0219C80-A1F9-4608-8B84-1D6B7C7E9D87}"/>
+                <a16:creationId xmlns="" xmlns:a16="http://schemas.microsoft.com/office/drawing/2014/main" id="{B0219C80-A1F9-4608-8B84-1D6B7C7E9D87}"/>
               </a:ext>
             </a:extLst>
           </p:cNvPr>
@@ -33247,7 +33582,7 @@
           <p:cNvPr id="36" name="Group 35">
             <a:extLst>
               <a:ext uri="{FF2B5EF4-FFF2-40B4-BE49-F238E27FC236}">
-                <a16:creationId xmlns:a16="http://schemas.microsoft.com/office/drawing/2014/main" xmlns="" id="{1BA1093A-9F8F-4A9E-A376-4F310DAAC0F4}"/>
+                <a16:creationId xmlns="" xmlns:a16="http://schemas.microsoft.com/office/drawing/2014/main" id="{1BA1093A-9F8F-4A9E-A376-4F310DAAC0F4}"/>
               </a:ext>
             </a:extLst>
           </p:cNvPr>
@@ -33267,7 +33602,7 @@
             <p:cNvPr id="37" name="TextBox 36">
               <a:extLst>
                 <a:ext uri="{FF2B5EF4-FFF2-40B4-BE49-F238E27FC236}">
-                  <a16:creationId xmlns:a16="http://schemas.microsoft.com/office/drawing/2014/main" xmlns="" id="{843E2498-A784-4AFC-8A23-2C7356439BC6}"/>
+                  <a16:creationId xmlns="" xmlns:a16="http://schemas.microsoft.com/office/drawing/2014/main" id="{843E2498-A784-4AFC-8A23-2C7356439BC6}"/>
                 </a:ext>
               </a:extLst>
             </p:cNvPr>
@@ -33320,7 +33655,7 @@
             <p:cNvPr id="38" name="TextBox 37">
               <a:extLst>
                 <a:ext uri="{FF2B5EF4-FFF2-40B4-BE49-F238E27FC236}">
-                  <a16:creationId xmlns:a16="http://schemas.microsoft.com/office/drawing/2014/main" xmlns="" id="{55E30AAF-B5FC-43BA-AB9A-6259B414B6FD}"/>
+                  <a16:creationId xmlns="" xmlns:a16="http://schemas.microsoft.com/office/drawing/2014/main" id="{55E30AAF-B5FC-43BA-AB9A-6259B414B6FD}"/>
                 </a:ext>
               </a:extLst>
             </p:cNvPr>
@@ -33604,7 +33939,7 @@
           <p:cNvPr id="2" name="Text Placeholder 1">
             <a:extLst>
               <a:ext uri="{FF2B5EF4-FFF2-40B4-BE49-F238E27FC236}">
-                <a16:creationId xmlns:a16="http://schemas.microsoft.com/office/drawing/2014/main" xmlns="" id="{D735F7F3-C1B5-4B60-A00A-4EB618DDFB5A}"/>
+                <a16:creationId xmlns="" xmlns:a16="http://schemas.microsoft.com/office/drawing/2014/main" id="{D735F7F3-C1B5-4B60-A00A-4EB618DDFB5A}"/>
               </a:ext>
             </a:extLst>
           </p:cNvPr>
@@ -33633,7 +33968,7 @@
           <p:cNvPr id="3" name="Group 2">
             <a:extLst>
               <a:ext uri="{FF2B5EF4-FFF2-40B4-BE49-F238E27FC236}">
-                <a16:creationId xmlns:a16="http://schemas.microsoft.com/office/drawing/2014/main" xmlns="" id="{F6D52457-671D-446B-8EC2-7D6B2FEFB7B2}"/>
+                <a16:creationId xmlns="" xmlns:a16="http://schemas.microsoft.com/office/drawing/2014/main" id="{F6D52457-671D-446B-8EC2-7D6B2FEFB7B2}"/>
               </a:ext>
             </a:extLst>
           </p:cNvPr>
@@ -33653,7 +33988,7 @@
             <p:cNvPr id="4" name="Freeform 6">
               <a:extLst>
                 <a:ext uri="{FF2B5EF4-FFF2-40B4-BE49-F238E27FC236}">
-                  <a16:creationId xmlns:a16="http://schemas.microsoft.com/office/drawing/2014/main" xmlns="" id="{F93ED7C0-B194-44C7-87E6-3F741D0DC138}"/>
+                  <a16:creationId xmlns="" xmlns:a16="http://schemas.microsoft.com/office/drawing/2014/main" id="{F93ED7C0-B194-44C7-87E6-3F741D0DC138}"/>
                 </a:ext>
               </a:extLst>
             </p:cNvPr>
@@ -33744,7 +34079,7 @@
             <p:cNvPr id="5" name="Right Arrow 5">
               <a:extLst>
                 <a:ext uri="{FF2B5EF4-FFF2-40B4-BE49-F238E27FC236}">
-                  <a16:creationId xmlns:a16="http://schemas.microsoft.com/office/drawing/2014/main" xmlns="" id="{3090FE72-E677-4E0E-B920-ED1E43D46A1D}"/>
+                  <a16:creationId xmlns="" xmlns:a16="http://schemas.microsoft.com/office/drawing/2014/main" id="{3090FE72-E677-4E0E-B920-ED1E43D46A1D}"/>
                 </a:ext>
               </a:extLst>
             </p:cNvPr>
@@ -33799,7 +34134,7 @@
             <p:cNvPr id="6" name="Right Arrow 33">
               <a:extLst>
                 <a:ext uri="{FF2B5EF4-FFF2-40B4-BE49-F238E27FC236}">
-                  <a16:creationId xmlns:a16="http://schemas.microsoft.com/office/drawing/2014/main" xmlns="" id="{DDFB2951-1413-4186-9876-CD958FF171AB}"/>
+                  <a16:creationId xmlns="" xmlns:a16="http://schemas.microsoft.com/office/drawing/2014/main" id="{DDFB2951-1413-4186-9876-CD958FF171AB}"/>
                 </a:ext>
               </a:extLst>
             </p:cNvPr>
@@ -33855,7 +34190,7 @@
           <p:cNvPr id="7" name="Group 6">
             <a:extLst>
               <a:ext uri="{FF2B5EF4-FFF2-40B4-BE49-F238E27FC236}">
-                <a16:creationId xmlns:a16="http://schemas.microsoft.com/office/drawing/2014/main" xmlns="" id="{B3DF77C4-B1AD-461E-BBCD-A4F380D91A54}"/>
+                <a16:creationId xmlns="" xmlns:a16="http://schemas.microsoft.com/office/drawing/2014/main" id="{B3DF77C4-B1AD-461E-BBCD-A4F380D91A54}"/>
               </a:ext>
             </a:extLst>
           </p:cNvPr>
@@ -33875,7 +34210,7 @@
             <p:cNvPr id="8" name="TextBox 7">
               <a:extLst>
                 <a:ext uri="{FF2B5EF4-FFF2-40B4-BE49-F238E27FC236}">
-                  <a16:creationId xmlns:a16="http://schemas.microsoft.com/office/drawing/2014/main" xmlns="" id="{0DF36951-6E0E-4317-A944-C0B2E312E305}"/>
+                  <a16:creationId xmlns="" xmlns:a16="http://schemas.microsoft.com/office/drawing/2014/main" id="{0DF36951-6E0E-4317-A944-C0B2E312E305}"/>
                 </a:ext>
               </a:extLst>
             </p:cNvPr>
@@ -33928,7 +34263,7 @@
             <p:cNvPr id="9" name="TextBox 8">
               <a:extLst>
                 <a:ext uri="{FF2B5EF4-FFF2-40B4-BE49-F238E27FC236}">
-                  <a16:creationId xmlns:a16="http://schemas.microsoft.com/office/drawing/2014/main" xmlns="" id="{B683127D-F6F3-41F6-B829-85580CBB5F8B}"/>
+                  <a16:creationId xmlns="" xmlns:a16="http://schemas.microsoft.com/office/drawing/2014/main" id="{B683127D-F6F3-41F6-B829-85580CBB5F8B}"/>
                 </a:ext>
               </a:extLst>
             </p:cNvPr>
@@ -33982,7 +34317,7 @@
           <p:cNvPr id="10" name="TextBox 9">
             <a:extLst>
               <a:ext uri="{FF2B5EF4-FFF2-40B4-BE49-F238E27FC236}">
-                <a16:creationId xmlns:a16="http://schemas.microsoft.com/office/drawing/2014/main" xmlns="" id="{F5D121EF-2CB8-43A3-A82A-61FA1AA025B6}"/>
+                <a16:creationId xmlns="" xmlns:a16="http://schemas.microsoft.com/office/drawing/2014/main" id="{F5D121EF-2CB8-43A3-A82A-61FA1AA025B6}"/>
               </a:ext>
             </a:extLst>
           </p:cNvPr>
@@ -34029,7 +34364,7 @@
           <p:cNvPr id="11" name="TextBox 10">
             <a:extLst>
               <a:ext uri="{FF2B5EF4-FFF2-40B4-BE49-F238E27FC236}">
-                <a16:creationId xmlns:a16="http://schemas.microsoft.com/office/drawing/2014/main" xmlns="" id="{7563135E-CF8C-4E6E-9FB9-DED8350FE9C0}"/>
+                <a16:creationId xmlns="" xmlns:a16="http://schemas.microsoft.com/office/drawing/2014/main" id="{7563135E-CF8C-4E6E-9FB9-DED8350FE9C0}"/>
               </a:ext>
             </a:extLst>
           </p:cNvPr>
@@ -34075,7 +34410,7 @@
           <p:cNvPr id="16" name="Group 15">
             <a:extLst>
               <a:ext uri="{FF2B5EF4-FFF2-40B4-BE49-F238E27FC236}">
-                <a16:creationId xmlns:a16="http://schemas.microsoft.com/office/drawing/2014/main" xmlns="" id="{C882A79F-700A-4A67-8D80-4F19B157BC9B}"/>
+                <a16:creationId xmlns="" xmlns:a16="http://schemas.microsoft.com/office/drawing/2014/main" id="{C882A79F-700A-4A67-8D80-4F19B157BC9B}"/>
               </a:ext>
             </a:extLst>
           </p:cNvPr>
@@ -34095,7 +34430,7 @@
             <p:cNvPr id="17" name="TextBox 16">
               <a:extLst>
                 <a:ext uri="{FF2B5EF4-FFF2-40B4-BE49-F238E27FC236}">
-                  <a16:creationId xmlns:a16="http://schemas.microsoft.com/office/drawing/2014/main" xmlns="" id="{2D3E7C5B-AEA3-435A-A3DA-649A63465E01}"/>
+                  <a16:creationId xmlns="" xmlns:a16="http://schemas.microsoft.com/office/drawing/2014/main" id="{2D3E7C5B-AEA3-435A-A3DA-649A63465E01}"/>
                 </a:ext>
               </a:extLst>
             </p:cNvPr>
@@ -34148,7 +34483,7 @@
             <p:cNvPr id="18" name="TextBox 17">
               <a:extLst>
                 <a:ext uri="{FF2B5EF4-FFF2-40B4-BE49-F238E27FC236}">
-                  <a16:creationId xmlns:a16="http://schemas.microsoft.com/office/drawing/2014/main" xmlns="" id="{DAB0A826-D0B4-4328-A53F-F0169C76CAEC}"/>
+                  <a16:creationId xmlns="" xmlns:a16="http://schemas.microsoft.com/office/drawing/2014/main" id="{DAB0A826-D0B4-4328-A53F-F0169C76CAEC}"/>
                 </a:ext>
               </a:extLst>
             </p:cNvPr>
@@ -34202,7 +34537,7 @@
           <p:cNvPr id="23" name="Oval 7">
             <a:extLst>
               <a:ext uri="{FF2B5EF4-FFF2-40B4-BE49-F238E27FC236}">
-                <a16:creationId xmlns:a16="http://schemas.microsoft.com/office/drawing/2014/main" xmlns="" id="{CB9CBE88-1AEC-4926-A8BE-CD1AB4715BF9}"/>
+                <a16:creationId xmlns="" xmlns:a16="http://schemas.microsoft.com/office/drawing/2014/main" id="{CB9CBE88-1AEC-4926-A8BE-CD1AB4715BF9}"/>
               </a:ext>
             </a:extLst>
           </p:cNvPr>
@@ -34479,7 +34814,7 @@
           <p:cNvPr id="24" name="Donut 39">
             <a:extLst>
               <a:ext uri="{FF2B5EF4-FFF2-40B4-BE49-F238E27FC236}">
-                <a16:creationId xmlns:a16="http://schemas.microsoft.com/office/drawing/2014/main" xmlns="" id="{F30374F1-AAD4-4611-A3E1-12BDC271FD8E}"/>
+                <a16:creationId xmlns="" xmlns:a16="http://schemas.microsoft.com/office/drawing/2014/main" id="{F30374F1-AAD4-4611-A3E1-12BDC271FD8E}"/>
               </a:ext>
             </a:extLst>
           </p:cNvPr>
@@ -34876,7 +35211,7 @@
           <p:cNvPr id="2" name="Text Placeholder 1">
             <a:extLst>
               <a:ext uri="{FF2B5EF4-FFF2-40B4-BE49-F238E27FC236}">
-                <a16:creationId xmlns:a16="http://schemas.microsoft.com/office/drawing/2014/main" xmlns="" id="{D735F7F3-C1B5-4B60-A00A-4EB618DDFB5A}"/>
+                <a16:creationId xmlns="" xmlns:a16="http://schemas.microsoft.com/office/drawing/2014/main" id="{D735F7F3-C1B5-4B60-A00A-4EB618DDFB5A}"/>
               </a:ext>
             </a:extLst>
           </p:cNvPr>
@@ -34905,7 +35240,7 @@
           <p:cNvPr id="12" name="TextBox 11">
             <a:extLst>
               <a:ext uri="{FF2B5EF4-FFF2-40B4-BE49-F238E27FC236}">
-                <a16:creationId xmlns:a16="http://schemas.microsoft.com/office/drawing/2014/main" xmlns="" id="{B0ABF554-785A-457E-A717-DBAF4F0179A1}"/>
+                <a16:creationId xmlns="" xmlns:a16="http://schemas.microsoft.com/office/drawing/2014/main" id="{B0ABF554-785A-457E-A717-DBAF4F0179A1}"/>
               </a:ext>
             </a:extLst>
           </p:cNvPr>
@@ -34963,7 +35298,7 @@
           <p:cNvPr id="13" name="TextBox 12">
             <a:extLst>
               <a:ext uri="{FF2B5EF4-FFF2-40B4-BE49-F238E27FC236}">
-                <a16:creationId xmlns:a16="http://schemas.microsoft.com/office/drawing/2014/main" xmlns="" id="{F5729D32-45F5-45F4-B7A3-9A33CEF9B0D4}"/>
+                <a16:creationId xmlns="" xmlns:a16="http://schemas.microsoft.com/office/drawing/2014/main" id="{F5729D32-45F5-45F4-B7A3-9A33CEF9B0D4}"/>
               </a:ext>
             </a:extLst>
           </p:cNvPr>
@@ -35021,7 +35356,7 @@
           <p:cNvPr id="14" name="TextBox 13">
             <a:extLst>
               <a:ext uri="{FF2B5EF4-FFF2-40B4-BE49-F238E27FC236}">
-                <a16:creationId xmlns:a16="http://schemas.microsoft.com/office/drawing/2014/main" xmlns="" id="{0992DEF8-5D60-40DF-A303-A71051C510E0}"/>
+                <a16:creationId xmlns="" xmlns:a16="http://schemas.microsoft.com/office/drawing/2014/main" id="{0992DEF8-5D60-40DF-A303-A71051C510E0}"/>
               </a:ext>
             </a:extLst>
           </p:cNvPr>
@@ -35079,7 +35414,7 @@
           <p:cNvPr id="21" name="TextBox 20">
             <a:extLst>
               <a:ext uri="{FF2B5EF4-FFF2-40B4-BE49-F238E27FC236}">
-                <a16:creationId xmlns:a16="http://schemas.microsoft.com/office/drawing/2014/main" xmlns="" id="{C8948062-C4FC-4C29-BFD2-FA3B8C918F15}"/>
+                <a16:creationId xmlns="" xmlns:a16="http://schemas.microsoft.com/office/drawing/2014/main" id="{C8948062-C4FC-4C29-BFD2-FA3B8C918F15}"/>
               </a:ext>
             </a:extLst>
           </p:cNvPr>
@@ -35278,7 +35613,7 @@
           <p:cNvPr id="40" name="TextBox 39">
             <a:extLst>
               <a:ext uri="{FF2B5EF4-FFF2-40B4-BE49-F238E27FC236}">
-                <a16:creationId xmlns:a16="http://schemas.microsoft.com/office/drawing/2014/main" xmlns="" id="{B0ABF554-785A-457E-A717-DBAF4F0179A1}"/>
+                <a16:creationId xmlns="" xmlns:a16="http://schemas.microsoft.com/office/drawing/2014/main" id="{B0ABF554-785A-457E-A717-DBAF4F0179A1}"/>
               </a:ext>
             </a:extLst>
           </p:cNvPr>
@@ -35494,7 +35829,7 @@
           <p:cNvPr id="23" name="Text Placeholder 17">
             <a:extLst>
               <a:ext uri="{FF2B5EF4-FFF2-40B4-BE49-F238E27FC236}">
-                <a16:creationId xmlns:a16="http://schemas.microsoft.com/office/drawing/2014/main" xmlns="" id="{570F809C-6B54-4D0F-AA83-9EF538D1F463}"/>
+                <a16:creationId xmlns="" xmlns:a16="http://schemas.microsoft.com/office/drawing/2014/main" id="{570F809C-6B54-4D0F-AA83-9EF538D1F463}"/>
               </a:ext>
             </a:extLst>
           </p:cNvPr>
@@ -35679,7 +36014,7 @@
           <p:cNvPr id="24" name="TextBox 23">
             <a:extLst>
               <a:ext uri="{FF2B5EF4-FFF2-40B4-BE49-F238E27FC236}">
-                <a16:creationId xmlns:a16="http://schemas.microsoft.com/office/drawing/2014/main" xmlns="" id="{B0ABF554-785A-457E-A717-DBAF4F0179A1}"/>
+                <a16:creationId xmlns="" xmlns:a16="http://schemas.microsoft.com/office/drawing/2014/main" id="{B0ABF554-785A-457E-A717-DBAF4F0179A1}"/>
               </a:ext>
             </a:extLst>
           </p:cNvPr>
